--- a/pitch.pptx
+++ b/pitch.pptx
@@ -5,7 +5,7 @@
     <p:sldMasterId id="2147483648" r:id="rId1"/>
   </p:sldMasterIdLst>
   <p:notesMasterIdLst>
-    <p:notesMasterId r:id="rId9"/>
+    <p:notesMasterId r:id="rId11"/>
   </p:notesMasterIdLst>
   <p:sldIdLst>
     <p:sldId id="273" r:id="rId2"/>
@@ -15,6 +15,8 @@
     <p:sldId id="278" r:id="rId6"/>
     <p:sldId id="279" r:id="rId7"/>
     <p:sldId id="280" r:id="rId8"/>
+    <p:sldId id="281" r:id="rId9"/>
+    <p:sldId id="282" r:id="rId10"/>
   </p:sldIdLst>
   <p:sldSz cx="24384000" cy="13716000"/>
   <p:notesSz cx="6858000" cy="9144000"/>
@@ -154,7 +156,7 @@
   </p:defaultTextStyle>
   <p:extLst>
     <p:ext uri="{EFAFB233-063F-42B5-8137-9DF3F51BA10A}">
-      <p15:sldGuideLst xmlns:p15="http://schemas.microsoft.com/office/powerpoint/2012/main" xmlns="">
+      <p15:sldGuideLst xmlns="" xmlns:p15="http://schemas.microsoft.com/office/powerpoint/2012/main">
         <p15:guide id="1" orient="horz" pos="4320">
           <p15:clr>
             <a:srgbClr val="A4A3A4"/>
@@ -1187,6 +1189,155 @@
     <p:extLst>
       <p:ext uri="{BB962C8B-B14F-4D97-AF65-F5344CB8AC3E}">
         <p14:creationId xmlns:p14="http://schemas.microsoft.com/office/powerpoint/2010/main" val="3305463008"/>
+      </p:ext>
+    </p:extLst>
+  </p:cSld>
+  <p:clrMapOvr>
+    <a:masterClrMapping/>
+  </p:clrMapOvr>
+</p:notes>
+</file>
+
+<file path=ppt/notesSlides/notesSlide8.xml><?xml version="1.0" encoding="utf-8"?>
+<p:notes xmlns:a="http://schemas.openxmlformats.org/drawingml/2006/main" xmlns:r="http://schemas.openxmlformats.org/officeDocument/2006/relationships" xmlns:p="http://schemas.openxmlformats.org/presentationml/2006/main">
+  <p:cSld>
+    <p:spTree>
+      <p:nvGrpSpPr>
+        <p:cNvPr id="1" name=""/>
+        <p:cNvGrpSpPr/>
+        <p:nvPr/>
+      </p:nvGrpSpPr>
+      <p:grpSpPr>
+        <a:xfrm>
+          <a:off x="0" y="0"/>
+          <a:ext cx="0" cy="0"/>
+          <a:chOff x="0" y="0"/>
+          <a:chExt cx="0" cy="0"/>
+        </a:xfrm>
+      </p:grpSpPr>
+      <p:sp>
+        <p:nvSpPr>
+          <p:cNvPr id="2" name="Slide Image Placeholder 1"/>
+          <p:cNvSpPr>
+            <a:spLocks noGrp="1" noRot="1" noChangeAspect="1"/>
+          </p:cNvSpPr>
+          <p:nvPr>
+            <p:ph type="sldImg"/>
+          </p:nvPr>
+        </p:nvSpPr>
+        <p:spPr>
+          <a:xfrm>
+            <a:off x="381000" y="685800"/>
+            <a:ext cx="6096000" cy="3429000"/>
+          </a:xfrm>
+        </p:spPr>
+      </p:sp>
+      <p:sp>
+        <p:nvSpPr>
+          <p:cNvPr id="3" name="Notes Placeholder 2"/>
+          <p:cNvSpPr>
+            <a:spLocks noGrp="1"/>
+          </p:cNvSpPr>
+          <p:nvPr>
+            <p:ph type="body" idx="1"/>
+          </p:nvPr>
+        </p:nvSpPr>
+        <p:spPr/>
+        <p:txBody>
+          <a:bodyPr/>
+          <a:lstStyle/>
+          <a:p>
+            <a:r>
+              <a:rPr lang="en-US" dirty="0" smtClean="0"/>
+              <a:t>It’s no secret</a:t>
+            </a:r>
+            <a:r>
+              <a:rPr lang="en-US" baseline="0" dirty="0" smtClean="0"/>
+              <a:t> that ecommerce has been increasing it’s stake in retail sales and will be for years to come</a:t>
+            </a:r>
+          </a:p>
+          <a:p>
+            <a:endParaRPr lang="en-US" dirty="0"/>
+          </a:p>
+        </p:txBody>
+      </p:sp>
+    </p:spTree>
+    <p:extLst>
+      <p:ext uri="{BB962C8B-B14F-4D97-AF65-F5344CB8AC3E}">
+        <p14:creationId xmlns:p14="http://schemas.microsoft.com/office/powerpoint/2010/main" val="2647066675"/>
+      </p:ext>
+    </p:extLst>
+  </p:cSld>
+  <p:clrMapOvr>
+    <a:masterClrMapping/>
+  </p:clrMapOvr>
+</p:notes>
+</file>
+
+<file path=ppt/notesSlides/notesSlide9.xml><?xml version="1.0" encoding="utf-8"?>
+<p:notes xmlns:a="http://schemas.openxmlformats.org/drawingml/2006/main" xmlns:r="http://schemas.openxmlformats.org/officeDocument/2006/relationships" xmlns:p="http://schemas.openxmlformats.org/presentationml/2006/main">
+  <p:cSld>
+    <p:spTree>
+      <p:nvGrpSpPr>
+        <p:cNvPr id="1" name=""/>
+        <p:cNvGrpSpPr/>
+        <p:nvPr/>
+      </p:nvGrpSpPr>
+      <p:grpSpPr>
+        <a:xfrm>
+          <a:off x="0" y="0"/>
+          <a:ext cx="0" cy="0"/>
+          <a:chOff x="0" y="0"/>
+          <a:chExt cx="0" cy="0"/>
+        </a:xfrm>
+      </p:grpSpPr>
+      <p:sp>
+        <p:nvSpPr>
+          <p:cNvPr id="2" name="Slide Image Placeholder 1"/>
+          <p:cNvSpPr>
+            <a:spLocks noGrp="1" noRot="1" noChangeAspect="1"/>
+          </p:cNvSpPr>
+          <p:nvPr>
+            <p:ph type="sldImg"/>
+          </p:nvPr>
+        </p:nvSpPr>
+        <p:spPr>
+          <a:xfrm>
+            <a:off x="381000" y="685800"/>
+            <a:ext cx="6096000" cy="3429000"/>
+          </a:xfrm>
+        </p:spPr>
+      </p:sp>
+      <p:sp>
+        <p:nvSpPr>
+          <p:cNvPr id="3" name="Notes Placeholder 2"/>
+          <p:cNvSpPr>
+            <a:spLocks noGrp="1"/>
+          </p:cNvSpPr>
+          <p:nvPr>
+            <p:ph type="body" idx="1"/>
+          </p:nvPr>
+        </p:nvSpPr>
+        <p:spPr/>
+        <p:txBody>
+          <a:bodyPr/>
+          <a:lstStyle/>
+          <a:p>
+            <a:r>
+              <a:rPr lang="en-US" dirty="0" smtClean="0"/>
+              <a:t>Monetization!</a:t>
+            </a:r>
+            <a:r>
+              <a:rPr lang="en-US" baseline="0" dirty="0" smtClean="0"/>
+              <a:t> So many possibilities!</a:t>
+            </a:r>
+          </a:p>
+        </p:txBody>
+      </p:sp>
+    </p:spTree>
+    <p:extLst>
+      <p:ext uri="{BB962C8B-B14F-4D97-AF65-F5344CB8AC3E}">
+        <p14:creationId xmlns:p14="http://schemas.microsoft.com/office/powerpoint/2010/main" val="4175479182"/>
       </p:ext>
     </p:extLst>
   </p:cSld>
@@ -3092,9 +3243,9 @@
                 <a:solidFill>
                   <a:schemeClr val="tx1"/>
                 </a:solidFill>
-                <a:latin typeface="Aleo" panose="020F0502020204030203" pitchFamily="34" charset="0"/>
+                <a:latin typeface="Avenir Black"/>
                 <a:ea typeface="Aleo Regular" charset="0"/>
-                <a:cs typeface="Aleo Regular" charset="0"/>
+                <a:cs typeface="Avenir Black"/>
                 <a:sym typeface="Aleo Regular" charset="0"/>
               </a:rPr>
               <a:t>Hermes</a:t>
@@ -3103,6 +3254,8 @@
               <a:solidFill>
                 <a:schemeClr val="tx1"/>
               </a:solidFill>
+              <a:latin typeface="Avenir Black"/>
+              <a:cs typeface="Avenir Black"/>
             </a:endParaRPr>
           </a:p>
         </p:txBody>
@@ -3131,14 +3284,17 @@
             <a:pPr eaLnBrk="1"/>
             <a:r>
               <a:rPr lang="en-US" sz="10000" b="1" dirty="0" smtClean="0">
-                <a:latin typeface="Aleo" panose="020F0502020204030203" pitchFamily="34" charset="0"/>
+                <a:latin typeface="Avenir Black"/>
                 <a:ea typeface="Aleo Regular" charset="0"/>
-                <a:cs typeface="Aleo Regular" charset="0"/>
+                <a:cs typeface="Avenir Black"/>
                 <a:sym typeface="Aleo Regular" charset="0"/>
               </a:rPr>
               <a:t>Never miss a deal again</a:t>
             </a:r>
-            <a:endParaRPr lang="en-US" sz="10000" dirty="0"/>
+            <a:endParaRPr lang="en-US" sz="10000" dirty="0">
+              <a:latin typeface="Avenir Black"/>
+              <a:cs typeface="Avenir Black"/>
+            </a:endParaRPr>
           </a:p>
         </p:txBody>
       </p:sp>
@@ -3320,14 +3476,23 @@
           <a:lstStyle/>
           <a:p>
             <a:r>
-              <a:rPr lang="en-US" b="0" dirty="0" smtClean="0"/>
+              <a:rPr lang="en-US" b="0" dirty="0" smtClean="0">
+                <a:latin typeface="Avenir Black"/>
+                <a:cs typeface="Avenir Black"/>
+              </a:rPr>
               <a:t>The</a:t>
             </a:r>
             <a:r>
-              <a:rPr lang="en-US" dirty="0" smtClean="0"/>
+              <a:rPr lang="en-US" dirty="0" smtClean="0">
+                <a:latin typeface="Avenir Black"/>
+                <a:cs typeface="Avenir Black"/>
+              </a:rPr>
               <a:t> Problem</a:t>
             </a:r>
-            <a:endParaRPr lang="en-US" dirty="0"/>
+            <a:endParaRPr lang="en-US" dirty="0">
+              <a:latin typeface="Avenir Black"/>
+              <a:cs typeface="Avenir Black"/>
+            </a:endParaRPr>
           </a:p>
         </p:txBody>
       </p:sp>
@@ -3599,14 +3764,23 @@
           <a:lstStyle/>
           <a:p>
             <a:r>
-              <a:rPr lang="en-US" b="0" dirty="0" smtClean="0"/>
+              <a:rPr lang="en-US" b="0" dirty="0" smtClean="0">
+                <a:latin typeface="Avenir Black"/>
+                <a:cs typeface="Avenir Black"/>
+              </a:rPr>
               <a:t>The</a:t>
             </a:r>
             <a:r>
-              <a:rPr lang="en-US" dirty="0" smtClean="0"/>
+              <a:rPr lang="en-US" dirty="0" smtClean="0">
+                <a:latin typeface="Avenir Black"/>
+                <a:cs typeface="Avenir Black"/>
+              </a:rPr>
               <a:t> Problem</a:t>
             </a:r>
-            <a:endParaRPr lang="en-US" dirty="0"/>
+            <a:endParaRPr lang="en-US" dirty="0">
+              <a:latin typeface="Avenir Black"/>
+              <a:cs typeface="Avenir Black"/>
+            </a:endParaRPr>
           </a:p>
         </p:txBody>
       </p:sp>
@@ -3660,22 +3834,33 @@
         <p:spPr>
           <a:xfrm>
             <a:off x="1313928" y="716033"/>
-            <a:ext cx="7421688" cy="1749480"/>
+            <a:ext cx="6845624" cy="1677471"/>
           </a:xfrm>
         </p:spPr>
         <p:txBody>
-          <a:bodyPr/>
+          <a:bodyPr>
+            <a:normAutofit/>
+          </a:bodyPr>
           <a:lstStyle/>
           <a:p>
             <a:r>
-              <a:rPr lang="en-US" b="0" dirty="0" smtClean="0"/>
+              <a:rPr lang="en-US" b="0" dirty="0" smtClean="0">
+                <a:latin typeface="Avenir Black"/>
+                <a:cs typeface="Avenir Black"/>
+              </a:rPr>
               <a:t>My</a:t>
             </a:r>
             <a:r>
-              <a:rPr lang="en-US" dirty="0" smtClean="0"/>
+              <a:rPr lang="en-US" dirty="0" smtClean="0">
+                <a:latin typeface="Avenir Black"/>
+                <a:cs typeface="Avenir Black"/>
+              </a:rPr>
               <a:t> Solution</a:t>
             </a:r>
-            <a:endParaRPr lang="en-US" dirty="0"/>
+            <a:endParaRPr lang="en-US" dirty="0">
+              <a:latin typeface="Avenir Black"/>
+              <a:cs typeface="Avenir Black"/>
+            </a:endParaRPr>
           </a:p>
         </p:txBody>
       </p:sp>
@@ -4016,8 +4201,8 @@
         </p:nvCxnSpPr>
         <p:spPr bwMode="auto">
           <a:xfrm flipH="1">
-            <a:off x="14712280" y="3041576"/>
-            <a:ext cx="3168352" cy="2304256"/>
+            <a:off x="14712280" y="2681536"/>
+            <a:ext cx="3240360" cy="2664296"/>
           </a:xfrm>
           <a:prstGeom prst="straightConnector1">
             <a:avLst/>
@@ -4201,7 +4386,7 @@
         </p:nvSpPr>
         <p:spPr>
           <a:xfrm>
-            <a:off x="10607824" y="809328"/>
+            <a:off x="9167664" y="665312"/>
             <a:ext cx="6768752" cy="2304256"/>
           </a:xfrm>
         </p:spPr>
@@ -4212,10 +4397,26 @@
           <a:lstStyle/>
           <a:p>
             <a:r>
-              <a:rPr lang="en-US" sz="15000" dirty="0" smtClean="0"/>
+              <a:rPr lang="en-US" sz="15000" dirty="0" smtClean="0">
+                <a:solidFill>
+                  <a:schemeClr val="accent1">
+                    <a:lumMod val="75000"/>
+                  </a:schemeClr>
+                </a:solidFill>
+                <a:latin typeface="Avenir Black"/>
+                <a:cs typeface="Avenir Black"/>
+              </a:rPr>
               <a:t>Simple</a:t>
             </a:r>
-            <a:endParaRPr lang="en-US" sz="15000" dirty="0"/>
+            <a:endParaRPr lang="en-US" sz="15000" dirty="0">
+              <a:solidFill>
+                <a:schemeClr val="accent1">
+                  <a:lumMod val="75000"/>
+                </a:schemeClr>
+              </a:solidFill>
+              <a:latin typeface="Avenir Black"/>
+              <a:cs typeface="Avenir Black"/>
+            </a:endParaRPr>
           </a:p>
         </p:txBody>
       </p:sp>
@@ -4479,7 +4680,7 @@
         <p:spPr bwMode="auto">
           <a:xfrm>
             <a:off x="886744" y="4553744"/>
-            <a:ext cx="17353928" cy="1800200"/>
+            <a:ext cx="19874208" cy="1656184"/>
           </a:xfrm>
           <a:custGeom>
             <a:avLst/>
@@ -4709,9 +4910,9 @@
                 <a:solidFill>
                   <a:srgbClr val="4D4D4D"/>
                 </a:solidFill>
-                <a:latin typeface="Lato Light" panose="020F0302020204030203" pitchFamily="34" charset="0"/>
+                <a:latin typeface="Avenir Black"/>
                 <a:ea typeface="Lato Light" panose="020F0302020204030203" pitchFamily="34" charset="0"/>
-                <a:cs typeface="Lato Light" panose="020F0302020204030203" pitchFamily="34" charset="0"/>
+                <a:cs typeface="Avenir Black"/>
                 <a:sym typeface="Lato Light" panose="020F0302020204030203" pitchFamily="34" charset="0"/>
               </a:rPr>
               <a:t>Subscribe to any keyword or topic</a:t>
@@ -4897,10 +5098,16 @@
           </a:lstStyle>
           <a:p>
             <a:r>
-              <a:rPr lang="en-US" b="0" dirty="0" smtClean="0"/>
+              <a:rPr lang="en-US" b="0" dirty="0" smtClean="0">
+                <a:latin typeface="Avenir Black"/>
+                <a:cs typeface="Avenir Black"/>
+              </a:rPr>
               <a:t>Hermes is…</a:t>
             </a:r>
-            <a:endParaRPr lang="en-US" dirty="0"/>
+            <a:endParaRPr lang="en-US" dirty="0">
+              <a:latin typeface="Avenir Black"/>
+              <a:cs typeface="Avenir Black"/>
+            </a:endParaRPr>
           </a:p>
         </p:txBody>
       </p:sp>
@@ -5071,7 +5278,7 @@
         </p:nvSpPr>
         <p:spPr>
           <a:xfrm>
-            <a:off x="8663608" y="377280"/>
+            <a:off x="9095656" y="161256"/>
             <a:ext cx="11521280" cy="3456384"/>
           </a:xfrm>
           <a:prstGeom prst="rect">
@@ -5239,14 +5446,32 @@
           </a:lstStyle>
           <a:p>
             <a:r>
-              <a:rPr lang="en-US" sz="15000" dirty="0"/>
+              <a:rPr lang="en-US" sz="15000" dirty="0">
+                <a:solidFill>
+                  <a:srgbClr val="024C90"/>
+                </a:solidFill>
+                <a:latin typeface="Avenir Black"/>
+                <a:cs typeface="Avenir Black"/>
+              </a:rPr>
               <a:t>U</a:t>
             </a:r>
             <a:r>
-              <a:rPr lang="en-US" sz="15000" dirty="0" smtClean="0"/>
+              <a:rPr lang="en-US" sz="15000" dirty="0" smtClean="0">
+                <a:solidFill>
+                  <a:srgbClr val="024C90"/>
+                </a:solidFill>
+                <a:latin typeface="Avenir Black"/>
+                <a:cs typeface="Avenir Black"/>
+              </a:rPr>
               <a:t>nobtrusive</a:t>
             </a:r>
-            <a:endParaRPr lang="en-US" sz="15000" dirty="0"/>
+            <a:endParaRPr lang="en-US" sz="15000" dirty="0">
+              <a:solidFill>
+                <a:srgbClr val="024C90"/>
+              </a:solidFill>
+              <a:latin typeface="Avenir Black"/>
+              <a:cs typeface="Avenir Black"/>
+            </a:endParaRPr>
           </a:p>
         </p:txBody>
       </p:sp>
@@ -5491,9 +5716,9 @@
                 <a:solidFill>
                   <a:srgbClr val="4D4D4D"/>
                 </a:solidFill>
-                <a:latin typeface="Lato Light" panose="020F0302020204030203" pitchFamily="34" charset="0"/>
+                <a:latin typeface="Avenir Black"/>
                 <a:ea typeface="Lato Light" panose="020F0302020204030203" pitchFamily="34" charset="0"/>
-                <a:cs typeface="Lato Light" panose="020F0302020204030203" pitchFamily="34" charset="0"/>
+                <a:cs typeface="Avenir Black"/>
                 <a:sym typeface="Lato Light" panose="020F0302020204030203" pitchFamily="34" charset="0"/>
               </a:rPr>
               <a:t>Pick time interval and length of time</a:t>
@@ -5508,9 +5733,9 @@
               <a:solidFill>
                 <a:srgbClr val="4D4D4D"/>
               </a:solidFill>
-              <a:latin typeface="Lato Light" panose="020F0302020204030203" pitchFamily="34" charset="0"/>
+              <a:latin typeface="Avenir Black"/>
               <a:ea typeface="Lato Light" panose="020F0302020204030203" pitchFamily="34" charset="0"/>
-              <a:cs typeface="Lato Light" panose="020F0302020204030203" pitchFamily="34" charset="0"/>
+              <a:cs typeface="Avenir Black"/>
               <a:sym typeface="Lato Light" panose="020F0302020204030203" pitchFamily="34" charset="0"/>
             </a:endParaRPr>
           </a:p>
@@ -5524,14 +5749,41 @@
                 <a:solidFill>
                   <a:srgbClr val="4D4D4D"/>
                 </a:solidFill>
-                <a:latin typeface="Lato Light" panose="020F0302020204030203" pitchFamily="34" charset="0"/>
+                <a:latin typeface="Avenir Black"/>
                 <a:ea typeface="Lato Light" panose="020F0302020204030203" pitchFamily="34" charset="0"/>
-                <a:cs typeface="Lato Light" panose="020F0302020204030203" pitchFamily="34" charset="0"/>
+                <a:cs typeface="Avenir Black"/>
                 <a:sym typeface="Lato Light" panose="020F0302020204030203" pitchFamily="34" charset="0"/>
               </a:rPr>
-              <a:t>Pick where you would like to receive notifications</a:t>
-            </a:r>
-            <a:endParaRPr lang="en-US" sz="8000" dirty="0"/>
+              <a:t>Pick where </a:t>
+            </a:r>
+            <a:r>
+              <a:rPr lang="en-US" sz="8000" dirty="0" smtClean="0">
+                <a:solidFill>
+                  <a:srgbClr val="4D4D4D"/>
+                </a:solidFill>
+                <a:latin typeface="Avenir Black"/>
+                <a:ea typeface="Lato Light" panose="020F0302020204030203" pitchFamily="34" charset="0"/>
+                <a:cs typeface="Avenir Black"/>
+                <a:sym typeface="Lato Light" panose="020F0302020204030203" pitchFamily="34" charset="0"/>
+              </a:rPr>
+              <a:t>to </a:t>
+            </a:r>
+            <a:r>
+              <a:rPr lang="en-US" sz="8000" dirty="0" smtClean="0">
+                <a:solidFill>
+                  <a:srgbClr val="4D4D4D"/>
+                </a:solidFill>
+                <a:latin typeface="Avenir Black"/>
+                <a:ea typeface="Lato Light" panose="020F0302020204030203" pitchFamily="34" charset="0"/>
+                <a:cs typeface="Avenir Black"/>
+                <a:sym typeface="Lato Light" panose="020F0302020204030203" pitchFamily="34" charset="0"/>
+              </a:rPr>
+              <a:t>receive notifications</a:t>
+            </a:r>
+            <a:endParaRPr lang="en-US" sz="8000" dirty="0">
+              <a:latin typeface="Avenir Black"/>
+              <a:cs typeface="Avenir Black"/>
+            </a:endParaRPr>
           </a:p>
         </p:txBody>
       </p:sp>
@@ -5713,10 +5965,16 @@
           </a:lstStyle>
           <a:p>
             <a:r>
-              <a:rPr lang="en-US" b="0" dirty="0" smtClean="0"/>
+              <a:rPr lang="en-US" b="0" dirty="0" smtClean="0">
+                <a:latin typeface="Avenir Black"/>
+                <a:cs typeface="Avenir Black"/>
+              </a:rPr>
               <a:t>Hermes is…</a:t>
             </a:r>
-            <a:endParaRPr lang="en-US" dirty="0"/>
+            <a:endParaRPr lang="en-US" dirty="0">
+              <a:latin typeface="Avenir Black"/>
+              <a:cs typeface="Avenir Black"/>
+            </a:endParaRPr>
           </a:p>
         </p:txBody>
       </p:sp>
@@ -5742,7 +6000,7 @@
         </p:blipFill>
         <p:spPr>
           <a:xfrm>
-            <a:off x="12119992" y="4697760"/>
+            <a:off x="12264008" y="4481736"/>
             <a:ext cx="11403026" cy="7776864"/>
           </a:xfrm>
           <a:prstGeom prst="rect">
@@ -5797,8 +6055,8 @@
         </p:nvSpPr>
         <p:spPr>
           <a:xfrm>
-            <a:off x="8951640" y="233264"/>
-            <a:ext cx="9505056" cy="3456384"/>
+            <a:off x="8951640" y="305272"/>
+            <a:ext cx="9505056" cy="3240360"/>
           </a:xfrm>
           <a:prstGeom prst="rect">
             <a:avLst/>
@@ -5965,10 +6223,22 @@
           </a:lstStyle>
           <a:p>
             <a:r>
-              <a:rPr lang="en-US" sz="15000" dirty="0" smtClean="0"/>
+              <a:rPr lang="en-US" sz="15000" dirty="0" smtClean="0">
+                <a:solidFill>
+                  <a:srgbClr val="024C90"/>
+                </a:solidFill>
+                <a:latin typeface="Avenir Black"/>
+                <a:cs typeface="Avenir Black"/>
+              </a:rPr>
               <a:t>Intelligent</a:t>
             </a:r>
-            <a:endParaRPr lang="en-US" sz="15000" dirty="0"/>
+            <a:endParaRPr lang="en-US" sz="15000" dirty="0">
+              <a:solidFill>
+                <a:srgbClr val="024C90"/>
+              </a:solidFill>
+              <a:latin typeface="Avenir Black"/>
+              <a:cs typeface="Avenir Black"/>
+            </a:endParaRPr>
           </a:p>
         </p:txBody>
       </p:sp>
@@ -6150,10 +6420,16 @@
           </a:lstStyle>
           <a:p>
             <a:r>
-              <a:rPr lang="en-US" b="0" dirty="0" smtClean="0"/>
+              <a:rPr lang="en-US" b="0" dirty="0" smtClean="0">
+                <a:latin typeface="Avenir Black"/>
+                <a:cs typeface="Avenir Black"/>
+              </a:rPr>
               <a:t>Hermes is…</a:t>
             </a:r>
-            <a:endParaRPr lang="en-US" dirty="0"/>
+            <a:endParaRPr lang="en-US" dirty="0">
+              <a:latin typeface="Avenir Black"/>
+              <a:cs typeface="Avenir Black"/>
+            </a:endParaRPr>
           </a:p>
         </p:txBody>
       </p:sp>
@@ -6167,7 +6443,7 @@
         </p:nvSpPr>
         <p:spPr bwMode="auto">
           <a:xfrm>
-            <a:off x="238672" y="4409728"/>
+            <a:off x="238672" y="4265712"/>
             <a:ext cx="11377264" cy="7488832"/>
           </a:xfrm>
           <a:custGeom>
@@ -6398,36 +6674,12 @@
                 <a:solidFill>
                   <a:srgbClr val="4D4D4D"/>
                 </a:solidFill>
-                <a:latin typeface="Lato Light" panose="020F0302020204030203" pitchFamily="34" charset="0"/>
+                <a:latin typeface="Avenir Black"/>
                 <a:ea typeface="Lato Light" panose="020F0302020204030203" pitchFamily="34" charset="0"/>
-                <a:cs typeface="Lato Light" panose="020F0302020204030203" pitchFamily="34" charset="0"/>
+                <a:cs typeface="Avenir Black"/>
                 <a:sym typeface="Lato Light" panose="020F0302020204030203" pitchFamily="34" charset="0"/>
               </a:rPr>
-              <a:t>Uses </a:t>
-            </a:r>
-            <a:r>
-              <a:rPr lang="en-US" sz="8000" dirty="0" smtClean="0">
-                <a:solidFill>
-                  <a:srgbClr val="4D4D4D"/>
-                </a:solidFill>
-                <a:latin typeface="Lato Light" panose="020F0302020204030203" pitchFamily="34" charset="0"/>
-                <a:ea typeface="Lato Light" panose="020F0302020204030203" pitchFamily="34" charset="0"/>
-                <a:cs typeface="Lato Light" panose="020F0302020204030203" pitchFamily="34" charset="0"/>
-                <a:sym typeface="Lato Light" panose="020F0302020204030203" pitchFamily="34" charset="0"/>
-              </a:rPr>
-              <a:t>cutting edge </a:t>
-            </a:r>
-            <a:r>
-              <a:rPr lang="en-US" sz="8000" dirty="0" smtClean="0">
-                <a:solidFill>
-                  <a:srgbClr val="4D4D4D"/>
-                </a:solidFill>
-                <a:latin typeface="Lato Light" panose="020F0302020204030203" pitchFamily="34" charset="0"/>
-                <a:ea typeface="Lato Light" panose="020F0302020204030203" pitchFamily="34" charset="0"/>
-                <a:cs typeface="Lato Light" panose="020F0302020204030203" pitchFamily="34" charset="0"/>
-                <a:sym typeface="Lato Light" panose="020F0302020204030203" pitchFamily="34" charset="0"/>
-              </a:rPr>
-              <a:t>technologies to bring users the best possible matches</a:t>
+              <a:t>Uses cutting edge technologies to bring users the best possible matches</a:t>
             </a:r>
           </a:p>
           <a:p>
@@ -6481,6 +6733,2039 @@
     <p:extLst>
       <p:ext uri="{BB962C8B-B14F-4D97-AF65-F5344CB8AC3E}">
         <p14:creationId xmlns:p14="http://schemas.microsoft.com/office/powerpoint/2010/main" val="2712441242"/>
+      </p:ext>
+    </p:extLst>
+  </p:cSld>
+  <p:clrMapOvr>
+    <a:masterClrMapping/>
+  </p:clrMapOvr>
+  <p:timing>
+    <p:tnLst>
+      <p:par>
+        <p:cTn xmlns:p14="http://schemas.microsoft.com/office/powerpoint/2010/main" id="1" dur="indefinite" restart="never" nodeType="tmRoot"/>
+      </p:par>
+    </p:tnLst>
+  </p:timing>
+</p:sld>
+</file>
+
+<file path=ppt/slides/slide8.xml><?xml version="1.0" encoding="utf-8"?>
+<p:sld xmlns:a="http://schemas.openxmlformats.org/drawingml/2006/main" xmlns:r="http://schemas.openxmlformats.org/officeDocument/2006/relationships" xmlns:p="http://schemas.openxmlformats.org/presentationml/2006/main">
+  <p:cSld>
+    <p:spTree>
+      <p:nvGrpSpPr>
+        <p:cNvPr id="1" name=""/>
+        <p:cNvGrpSpPr/>
+        <p:nvPr/>
+      </p:nvGrpSpPr>
+      <p:grpSpPr>
+        <a:xfrm>
+          <a:off x="0" y="0"/>
+          <a:ext cx="0" cy="0"/>
+          <a:chOff x="0" y="0"/>
+          <a:chExt cx="0" cy="0"/>
+        </a:xfrm>
+      </p:grpSpPr>
+      <p:pic>
+        <p:nvPicPr>
+          <p:cNvPr id="4" name="Picture 3" descr="graph.png"/>
+          <p:cNvPicPr>
+            <a:picLocks noChangeAspect="1"/>
+          </p:cNvPicPr>
+          <p:nvPr/>
+        </p:nvPicPr>
+        <p:blipFill>
+          <a:blip r:embed="rId3">
+            <a:extLst>
+              <a:ext uri="{28A0092B-C50C-407E-A947-70E740481C1C}">
+                <a14:useLocalDpi xmlns:a14="http://schemas.microsoft.com/office/drawing/2010/main" val="0"/>
+              </a:ext>
+            </a:extLst>
+          </a:blip>
+          <a:stretch>
+            <a:fillRect/>
+          </a:stretch>
+        </p:blipFill>
+        <p:spPr>
+          <a:xfrm>
+            <a:off x="1318792" y="1169368"/>
+            <a:ext cx="21633346" cy="10225136"/>
+          </a:xfrm>
+          <a:prstGeom prst="rect">
+            <a:avLst/>
+          </a:prstGeom>
+        </p:spPr>
+      </p:pic>
+      <p:sp>
+        <p:nvSpPr>
+          <p:cNvPr id="6" name="AutoShape 13"/>
+          <p:cNvSpPr>
+            <a:spLocks/>
+          </p:cNvSpPr>
+          <p:nvPr/>
+        </p:nvSpPr>
+        <p:spPr bwMode="auto">
+          <a:xfrm>
+            <a:off x="2974976" y="12042576"/>
+            <a:ext cx="19514168" cy="1008112"/>
+          </a:xfrm>
+          <a:custGeom>
+            <a:avLst/>
+            <a:gdLst>
+              <a:gd name="T0" fmla="*/ 7181850 w 21600"/>
+              <a:gd name="T1" fmla="*/ 889000 h 21600"/>
+              <a:gd name="T2" fmla="*/ 7181850 w 21600"/>
+              <a:gd name="T3" fmla="*/ 889000 h 21600"/>
+              <a:gd name="T4" fmla="*/ 7181850 w 21600"/>
+              <a:gd name="T5" fmla="*/ 889000 h 21600"/>
+              <a:gd name="T6" fmla="*/ 7181850 w 21600"/>
+              <a:gd name="T7" fmla="*/ 889000 h 21600"/>
+              <a:gd name="T8" fmla="*/ 0 60000 65536"/>
+              <a:gd name="T9" fmla="*/ 0 60000 65536"/>
+              <a:gd name="T10" fmla="*/ 0 60000 65536"/>
+              <a:gd name="T11" fmla="*/ 0 60000 65536"/>
+              <a:gd name="T12" fmla="*/ 0 w 21600"/>
+              <a:gd name="T13" fmla="*/ 0 h 21600"/>
+              <a:gd name="T14" fmla="*/ 21600 w 21600"/>
+              <a:gd name="T15" fmla="*/ 21600 h 21600"/>
+            </a:gdLst>
+            <a:ahLst/>
+            <a:cxnLst>
+              <a:cxn ang="T8">
+                <a:pos x="T0" y="T1"/>
+              </a:cxn>
+              <a:cxn ang="T9">
+                <a:pos x="T2" y="T3"/>
+              </a:cxn>
+              <a:cxn ang="T10">
+                <a:pos x="T4" y="T5"/>
+              </a:cxn>
+              <a:cxn ang="T11">
+                <a:pos x="T6" y="T7"/>
+              </a:cxn>
+            </a:cxnLst>
+            <a:rect l="T12" t="T13" r="T14" b="T15"/>
+            <a:pathLst>
+              <a:path w="21600" h="21600">
+                <a:moveTo>
+                  <a:pt x="0" y="0"/>
+                </a:moveTo>
+                <a:lnTo>
+                  <a:pt x="21599" y="0"/>
+                </a:lnTo>
+                <a:lnTo>
+                  <a:pt x="21599" y="21600"/>
+                </a:lnTo>
+                <a:lnTo>
+                  <a:pt x="0" y="21600"/>
+                </a:lnTo>
+                <a:lnTo>
+                  <a:pt x="0" y="0"/>
+                </a:lnTo>
+                <a:close/>
+              </a:path>
+            </a:pathLst>
+          </a:custGeom>
+          <a:noFill/>
+          <a:ln>
+            <a:noFill/>
+          </a:ln>
+          <a:effectLst/>
+          <a:extLst>
+            <a:ext uri="{909E8E84-426E-40dd-AFC4-6F175D3DCCD1}">
+              <a14:hiddenFill xmlns:a14="http://schemas.microsoft.com/office/drawing/2010/main">
+                <a:solidFill>
+                  <a:srgbClr val="FFFFFF"/>
+                </a:solidFill>
+              </a14:hiddenFill>
+            </a:ext>
+            <a:ext uri="{91240B29-F687-4f45-9708-019B960494DF}">
+              <a14:hiddenLine xmlns:a14="http://schemas.microsoft.com/office/drawing/2010/main" w="12700">
+                <a:solidFill>
+                  <a:srgbClr val="000000"/>
+                </a:solidFill>
+                <a:miter lim="0"/>
+                <a:headEnd/>
+                <a:tailEnd/>
+              </a14:hiddenLine>
+            </a:ext>
+            <a:ext uri="{AF507438-7753-43e0-B8FC-AC1667EBCBE1}">
+              <a14:hiddenEffects xmlns:a14="http://schemas.microsoft.com/office/drawing/2010/main">
+                <a:effectLst>
+                  <a:outerShdw dist="35921" dir="2700000" algn="ctr" rotWithShape="0">
+                    <a:srgbClr val="808080"/>
+                  </a:outerShdw>
+                </a:effectLst>
+              </a14:hiddenEffects>
+            </a:ext>
+          </a:extLst>
+        </p:spPr>
+        <p:txBody>
+          <a:bodyPr lIns="0" tIns="0" rIns="0" bIns="0"/>
+          <a:lstStyle>
+            <a:lvl1pPr algn="ctr">
+              <a:defRPr sz="5600">
+                <a:solidFill>
+                  <a:srgbClr val="000000"/>
+                </a:solidFill>
+                <a:latin typeface="Gill Sans" charset="0"/>
+                <a:ea typeface="Gill Sans" charset="0"/>
+                <a:cs typeface="Gill Sans" charset="0"/>
+                <a:sym typeface="Gill Sans" charset="0"/>
+              </a:defRPr>
+            </a:lvl1pPr>
+            <a:lvl2pPr marL="742950" indent="-285750" algn="ctr">
+              <a:defRPr sz="5600">
+                <a:solidFill>
+                  <a:srgbClr val="000000"/>
+                </a:solidFill>
+                <a:latin typeface="Gill Sans" charset="0"/>
+                <a:ea typeface="Gill Sans" charset="0"/>
+                <a:cs typeface="Gill Sans" charset="0"/>
+                <a:sym typeface="Gill Sans" charset="0"/>
+              </a:defRPr>
+            </a:lvl2pPr>
+            <a:lvl3pPr marL="1143000" indent="-228600" algn="ctr">
+              <a:defRPr sz="5600">
+                <a:solidFill>
+                  <a:srgbClr val="000000"/>
+                </a:solidFill>
+                <a:latin typeface="Gill Sans" charset="0"/>
+                <a:ea typeface="Gill Sans" charset="0"/>
+                <a:cs typeface="Gill Sans" charset="0"/>
+                <a:sym typeface="Gill Sans" charset="0"/>
+              </a:defRPr>
+            </a:lvl3pPr>
+            <a:lvl4pPr marL="1600200" indent="-228600" algn="ctr">
+              <a:defRPr sz="5600">
+                <a:solidFill>
+                  <a:srgbClr val="000000"/>
+                </a:solidFill>
+                <a:latin typeface="Gill Sans" charset="0"/>
+                <a:ea typeface="Gill Sans" charset="0"/>
+                <a:cs typeface="Gill Sans" charset="0"/>
+                <a:sym typeface="Gill Sans" charset="0"/>
+              </a:defRPr>
+            </a:lvl4pPr>
+            <a:lvl5pPr marL="2057400" indent="-228600" algn="ctr">
+              <a:defRPr sz="5600">
+                <a:solidFill>
+                  <a:srgbClr val="000000"/>
+                </a:solidFill>
+                <a:latin typeface="Gill Sans" charset="0"/>
+                <a:ea typeface="Gill Sans" charset="0"/>
+                <a:cs typeface="Gill Sans" charset="0"/>
+                <a:sym typeface="Gill Sans" charset="0"/>
+              </a:defRPr>
+            </a:lvl5pPr>
+            <a:lvl6pPr marL="2514600" indent="-228600" algn="ctr" defTabSz="825500" eaLnBrk="0" fontAlgn="base" hangingPunct="0">
+              <a:spcBef>
+                <a:spcPct val="0"/>
+              </a:spcBef>
+              <a:spcAft>
+                <a:spcPct val="0"/>
+              </a:spcAft>
+              <a:defRPr sz="5600">
+                <a:solidFill>
+                  <a:srgbClr val="000000"/>
+                </a:solidFill>
+                <a:latin typeface="Gill Sans" charset="0"/>
+                <a:ea typeface="Gill Sans" charset="0"/>
+                <a:cs typeface="Gill Sans" charset="0"/>
+                <a:sym typeface="Gill Sans" charset="0"/>
+              </a:defRPr>
+            </a:lvl6pPr>
+            <a:lvl7pPr marL="2971800" indent="-228600" algn="ctr" defTabSz="825500" eaLnBrk="0" fontAlgn="base" hangingPunct="0">
+              <a:spcBef>
+                <a:spcPct val="0"/>
+              </a:spcBef>
+              <a:spcAft>
+                <a:spcPct val="0"/>
+              </a:spcAft>
+              <a:defRPr sz="5600">
+                <a:solidFill>
+                  <a:srgbClr val="000000"/>
+                </a:solidFill>
+                <a:latin typeface="Gill Sans" charset="0"/>
+                <a:ea typeface="Gill Sans" charset="0"/>
+                <a:cs typeface="Gill Sans" charset="0"/>
+                <a:sym typeface="Gill Sans" charset="0"/>
+              </a:defRPr>
+            </a:lvl7pPr>
+            <a:lvl8pPr marL="3429000" indent="-228600" algn="ctr" defTabSz="825500" eaLnBrk="0" fontAlgn="base" hangingPunct="0">
+              <a:spcBef>
+                <a:spcPct val="0"/>
+              </a:spcBef>
+              <a:spcAft>
+                <a:spcPct val="0"/>
+              </a:spcAft>
+              <a:defRPr sz="5600">
+                <a:solidFill>
+                  <a:srgbClr val="000000"/>
+                </a:solidFill>
+                <a:latin typeface="Gill Sans" charset="0"/>
+                <a:ea typeface="Gill Sans" charset="0"/>
+                <a:cs typeface="Gill Sans" charset="0"/>
+                <a:sym typeface="Gill Sans" charset="0"/>
+              </a:defRPr>
+            </a:lvl8pPr>
+            <a:lvl9pPr marL="3886200" indent="-228600" algn="ctr" defTabSz="825500" eaLnBrk="0" fontAlgn="base" hangingPunct="0">
+              <a:spcBef>
+                <a:spcPct val="0"/>
+              </a:spcBef>
+              <a:spcAft>
+                <a:spcPct val="0"/>
+              </a:spcAft>
+              <a:defRPr sz="5600">
+                <a:solidFill>
+                  <a:srgbClr val="000000"/>
+                </a:solidFill>
+                <a:latin typeface="Gill Sans" charset="0"/>
+                <a:ea typeface="Gill Sans" charset="0"/>
+                <a:cs typeface="Gill Sans" charset="0"/>
+                <a:sym typeface="Gill Sans" charset="0"/>
+              </a:defRPr>
+            </a:lvl9pPr>
+          </a:lstStyle>
+          <a:p>
+            <a:pPr algn="l" eaLnBrk="1"/>
+            <a:r>
+              <a:rPr lang="en-US" sz="4000" dirty="0" smtClean="0">
+                <a:solidFill>
+                  <a:schemeClr val="bg1">
+                    <a:lumMod val="75000"/>
+                  </a:schemeClr>
+                </a:solidFill>
+                <a:latin typeface="Lato Light" panose="020F0302020204030203" pitchFamily="34" charset="0"/>
+                <a:ea typeface="Lato Light" panose="020F0302020204030203" pitchFamily="34" charset="0"/>
+                <a:cs typeface="Lato Light" panose="020F0302020204030203" pitchFamily="34" charset="0"/>
+                <a:sym typeface="Lato Light" panose="020F0302020204030203" pitchFamily="34" charset="0"/>
+              </a:rPr>
+              <a:t>Source: US Census, Quarterly Retail E-Commerce Sales 1</a:t>
+            </a:r>
+            <a:r>
+              <a:rPr lang="en-US" sz="4000" baseline="30000" dirty="0" smtClean="0">
+                <a:solidFill>
+                  <a:schemeClr val="bg1">
+                    <a:lumMod val="75000"/>
+                  </a:schemeClr>
+                </a:solidFill>
+                <a:latin typeface="Lato Light" panose="020F0302020204030203" pitchFamily="34" charset="0"/>
+                <a:ea typeface="Lato Light" panose="020F0302020204030203" pitchFamily="34" charset="0"/>
+                <a:cs typeface="Lato Light" panose="020F0302020204030203" pitchFamily="34" charset="0"/>
+                <a:sym typeface="Lato Light" panose="020F0302020204030203" pitchFamily="34" charset="0"/>
+              </a:rPr>
+              <a:t>st</a:t>
+            </a:r>
+            <a:r>
+              <a:rPr lang="en-US" sz="4000" dirty="0" smtClean="0">
+                <a:solidFill>
+                  <a:schemeClr val="bg1">
+                    <a:lumMod val="75000"/>
+                  </a:schemeClr>
+                </a:solidFill>
+                <a:latin typeface="Lato Light" panose="020F0302020204030203" pitchFamily="34" charset="0"/>
+                <a:ea typeface="Lato Light" panose="020F0302020204030203" pitchFamily="34" charset="0"/>
+                <a:cs typeface="Lato Light" panose="020F0302020204030203" pitchFamily="34" charset="0"/>
+                <a:sym typeface="Lato Light" panose="020F0302020204030203" pitchFamily="34" charset="0"/>
+              </a:rPr>
+              <a:t> Quarter 2014 Report</a:t>
+            </a:r>
+          </a:p>
+        </p:txBody>
+      </p:sp>
+    </p:spTree>
+    <p:extLst>
+      <p:ext uri="{BB962C8B-B14F-4D97-AF65-F5344CB8AC3E}">
+        <p14:creationId xmlns:p14="http://schemas.microsoft.com/office/powerpoint/2010/main" val="2863752779"/>
+      </p:ext>
+    </p:extLst>
+  </p:cSld>
+  <p:clrMapOvr>
+    <a:masterClrMapping/>
+  </p:clrMapOvr>
+  <p:timing>
+    <p:tnLst>
+      <p:par>
+        <p:cTn xmlns:p14="http://schemas.microsoft.com/office/powerpoint/2010/main" id="1" dur="indefinite" restart="never" nodeType="tmRoot"/>
+      </p:par>
+    </p:tnLst>
+  </p:timing>
+</p:sld>
+</file>
+
+<file path=ppt/slides/slide9.xml><?xml version="1.0" encoding="utf-8"?>
+<p:sld xmlns:a="http://schemas.openxmlformats.org/drawingml/2006/main" xmlns:r="http://schemas.openxmlformats.org/officeDocument/2006/relationships" xmlns:p="http://schemas.openxmlformats.org/presentationml/2006/main">
+  <p:cSld>
+    <p:spTree>
+      <p:nvGrpSpPr>
+        <p:cNvPr id="1" name=""/>
+        <p:cNvGrpSpPr/>
+        <p:nvPr/>
+      </p:nvGrpSpPr>
+      <p:grpSpPr>
+        <a:xfrm>
+          <a:off x="0" y="0"/>
+          <a:ext cx="0" cy="0"/>
+          <a:chOff x="0" y="0"/>
+          <a:chExt cx="0" cy="0"/>
+        </a:xfrm>
+      </p:grpSpPr>
+      <p:sp>
+        <p:nvSpPr>
+          <p:cNvPr id="2" name="Title 1"/>
+          <p:cNvSpPr>
+            <a:spLocks noGrp="1"/>
+          </p:cNvSpPr>
+          <p:nvPr>
+            <p:ph type="title"/>
+          </p:nvPr>
+        </p:nvSpPr>
+        <p:spPr/>
+        <p:txBody>
+          <a:bodyPr/>
+          <a:lstStyle/>
+          <a:p>
+            <a:endParaRPr lang="en-US" dirty="0"/>
+          </a:p>
+        </p:txBody>
+      </p:sp>
+      <p:pic>
+        <p:nvPicPr>
+          <p:cNvPr id="3" name="Picture 2" descr="money-cash-investment.jpg"/>
+          <p:cNvPicPr>
+            <a:picLocks noChangeAspect="1"/>
+          </p:cNvPicPr>
+          <p:nvPr/>
+        </p:nvPicPr>
+        <p:blipFill>
+          <a:blip r:embed="rId3">
+            <a:extLst>
+              <a:ext uri="{28A0092B-C50C-407E-A947-70E740481C1C}">
+                <a14:useLocalDpi xmlns:a14="http://schemas.microsoft.com/office/drawing/2010/main" val="0"/>
+              </a:ext>
+            </a:extLst>
+          </a:blip>
+          <a:stretch>
+            <a:fillRect/>
+          </a:stretch>
+        </p:blipFill>
+        <p:spPr>
+          <a:xfrm>
+            <a:off x="-11498632" y="-630832"/>
+            <a:ext cx="38392984" cy="14562856"/>
+          </a:xfrm>
+          <a:prstGeom prst="rect">
+            <a:avLst/>
+          </a:prstGeom>
+        </p:spPr>
+      </p:pic>
+      <p:sp>
+        <p:nvSpPr>
+          <p:cNvPr id="4" name="Oval 3"/>
+          <p:cNvSpPr/>
+          <p:nvPr/>
+        </p:nvSpPr>
+        <p:spPr bwMode="auto">
+          <a:xfrm>
+            <a:off x="166664" y="2249488"/>
+            <a:ext cx="7632848" cy="7560840"/>
+          </a:xfrm>
+          <a:prstGeom prst="ellipse">
+            <a:avLst/>
+          </a:prstGeom>
+          <a:solidFill>
+            <a:schemeClr val="bg2">
+              <a:lumMod val="50000"/>
+              <a:alpha val="82000"/>
+            </a:schemeClr>
+          </a:solidFill>
+          <a:ln w="25400" cap="flat" cmpd="sng" algn="ctr">
+            <a:noFill/>
+            <a:prstDash val="solid"/>
+            <a:miter lim="0"/>
+            <a:headEnd type="none" w="med" len="med"/>
+            <a:tailEnd type="none" w="med" len="med"/>
+          </a:ln>
+          <a:effectLst>
+            <a:outerShdw blurRad="38100" dist="25400" dir="5400000" algn="ctr" rotWithShape="0">
+              <a:srgbClr val="000000">
+                <a:alpha val="50000"/>
+              </a:srgbClr>
+            </a:outerShdw>
+          </a:effectLst>
+        </p:spPr>
+        <p:txBody>
+          <a:bodyPr vert="horz" wrap="square" lIns="50800" tIns="50800" rIns="50800" bIns="50800" numCol="1" rtlCol="0" anchor="ctr" anchorCtr="0" compatLnSpc="1">
+            <a:prstTxWarp prst="textNoShape">
+              <a:avLst/>
+            </a:prstTxWarp>
+          </a:bodyPr>
+          <a:lstStyle/>
+          <a:p>
+            <a:pPr marL="342900" marR="0" indent="0" algn="ctr" defTabSz="825500" rtl="0" eaLnBrk="1" fontAlgn="base" latinLnBrk="0" hangingPunct="0">
+              <a:lnSpc>
+                <a:spcPct val="100000"/>
+              </a:lnSpc>
+              <a:spcBef>
+                <a:spcPct val="0"/>
+              </a:spcBef>
+              <a:spcAft>
+                <a:spcPct val="0"/>
+              </a:spcAft>
+              <a:buClrTx/>
+              <a:buSzTx/>
+              <a:buFontTx/>
+              <a:buNone/>
+              <a:tabLst/>
+            </a:pPr>
+            <a:endParaRPr kumimoji="0" lang="en-US" sz="5600" b="0" i="0" u="none" strike="noStrike" cap="none" normalizeH="0" baseline="0" smtClean="0">
+              <a:ln>
+                <a:noFill/>
+              </a:ln>
+              <a:solidFill>
+                <a:srgbClr val="000000"/>
+              </a:solidFill>
+              <a:effectLst/>
+              <a:latin typeface="Gill Sans" charset="0"/>
+              <a:ea typeface="Gill Sans" charset="0"/>
+              <a:cs typeface="Gill Sans" charset="0"/>
+              <a:sym typeface="Gill Sans" charset="0"/>
+            </a:endParaRPr>
+          </a:p>
+        </p:txBody>
+      </p:sp>
+      <p:sp>
+        <p:nvSpPr>
+          <p:cNvPr id="6" name="Title 1"/>
+          <p:cNvSpPr txBox="1">
+            <a:spLocks/>
+          </p:cNvSpPr>
+          <p:nvPr/>
+        </p:nvSpPr>
+        <p:spPr>
+          <a:xfrm>
+            <a:off x="1822848" y="5129808"/>
+            <a:ext cx="4536504" cy="1656184"/>
+          </a:xfrm>
+          <a:prstGeom prst="rect">
+            <a:avLst/>
+          </a:prstGeom>
+        </p:spPr>
+        <p:txBody>
+          <a:bodyPr vert="horz" lIns="91440" tIns="45720" rIns="91440" bIns="45720" rtlCol="0" anchor="ctr">
+            <a:normAutofit/>
+          </a:bodyPr>
+          <a:lstStyle>
+            <a:lvl1pPr algn="l" defTabSz="457200" rtl="0" eaLnBrk="0" fontAlgn="base" hangingPunct="0">
+              <a:spcBef>
+                <a:spcPct val="0"/>
+              </a:spcBef>
+              <a:spcAft>
+                <a:spcPct val="0"/>
+              </a:spcAft>
+              <a:defRPr sz="9200" b="1" kern="1200">
+                <a:solidFill>
+                  <a:srgbClr val="4D4D4D"/>
+                </a:solidFill>
+                <a:latin typeface="Aleo" panose="020F0502020204030203" pitchFamily="34" charset="0"/>
+                <a:ea typeface="+mj-ea"/>
+                <a:cs typeface="+mj-cs"/>
+                <a:sym typeface="Helvetica" panose="020B0604020202020204" pitchFamily="34" charset="0"/>
+              </a:defRPr>
+            </a:lvl1pPr>
+            <a:lvl2pPr algn="l" defTabSz="457200" rtl="0" eaLnBrk="0" fontAlgn="base" hangingPunct="0">
+              <a:spcBef>
+                <a:spcPct val="0"/>
+              </a:spcBef>
+              <a:spcAft>
+                <a:spcPct val="0"/>
+              </a:spcAft>
+              <a:defRPr sz="1200">
+                <a:solidFill>
+                  <a:srgbClr val="000000"/>
+                </a:solidFill>
+                <a:latin typeface="Helvetica" panose="020B0604020202020204" pitchFamily="34" charset="0"/>
+                <a:ea typeface="Helvetica" panose="020B0604020202020204" pitchFamily="34" charset="0"/>
+                <a:cs typeface="Helvetica" panose="020B0604020202020204" pitchFamily="34" charset="0"/>
+                <a:sym typeface="Helvetica" panose="020B0604020202020204" pitchFamily="34" charset="0"/>
+              </a:defRPr>
+            </a:lvl2pPr>
+            <a:lvl3pPr algn="l" defTabSz="457200" rtl="0" eaLnBrk="0" fontAlgn="base" hangingPunct="0">
+              <a:spcBef>
+                <a:spcPct val="0"/>
+              </a:spcBef>
+              <a:spcAft>
+                <a:spcPct val="0"/>
+              </a:spcAft>
+              <a:defRPr sz="1200">
+                <a:solidFill>
+                  <a:srgbClr val="000000"/>
+                </a:solidFill>
+                <a:latin typeface="Helvetica" panose="020B0604020202020204" pitchFamily="34" charset="0"/>
+                <a:ea typeface="Helvetica" panose="020B0604020202020204" pitchFamily="34" charset="0"/>
+                <a:cs typeface="Helvetica" panose="020B0604020202020204" pitchFamily="34" charset="0"/>
+                <a:sym typeface="Helvetica" panose="020B0604020202020204" pitchFamily="34" charset="0"/>
+              </a:defRPr>
+            </a:lvl3pPr>
+            <a:lvl4pPr algn="l" defTabSz="457200" rtl="0" eaLnBrk="0" fontAlgn="base" hangingPunct="0">
+              <a:spcBef>
+                <a:spcPct val="0"/>
+              </a:spcBef>
+              <a:spcAft>
+                <a:spcPct val="0"/>
+              </a:spcAft>
+              <a:defRPr sz="1200">
+                <a:solidFill>
+                  <a:srgbClr val="000000"/>
+                </a:solidFill>
+                <a:latin typeface="Helvetica" panose="020B0604020202020204" pitchFamily="34" charset="0"/>
+                <a:ea typeface="Helvetica" panose="020B0604020202020204" pitchFamily="34" charset="0"/>
+                <a:cs typeface="Helvetica" panose="020B0604020202020204" pitchFamily="34" charset="0"/>
+                <a:sym typeface="Helvetica" panose="020B0604020202020204" pitchFamily="34" charset="0"/>
+              </a:defRPr>
+            </a:lvl4pPr>
+            <a:lvl5pPr algn="l" defTabSz="457200" rtl="0" eaLnBrk="0" fontAlgn="base" hangingPunct="0">
+              <a:spcBef>
+                <a:spcPct val="0"/>
+              </a:spcBef>
+              <a:spcAft>
+                <a:spcPct val="0"/>
+              </a:spcAft>
+              <a:defRPr sz="1200">
+                <a:solidFill>
+                  <a:srgbClr val="000000"/>
+                </a:solidFill>
+                <a:latin typeface="Helvetica" panose="020B0604020202020204" pitchFamily="34" charset="0"/>
+                <a:ea typeface="Helvetica" panose="020B0604020202020204" pitchFamily="34" charset="0"/>
+                <a:cs typeface="Helvetica" panose="020B0604020202020204" pitchFamily="34" charset="0"/>
+                <a:sym typeface="Helvetica" panose="020B0604020202020204" pitchFamily="34" charset="0"/>
+              </a:defRPr>
+            </a:lvl5pPr>
+            <a:lvl6pPr marL="457200" algn="l" defTabSz="457200" rtl="0" fontAlgn="base" hangingPunct="0">
+              <a:spcBef>
+                <a:spcPct val="0"/>
+              </a:spcBef>
+              <a:spcAft>
+                <a:spcPct val="0"/>
+              </a:spcAft>
+              <a:defRPr sz="1200">
+                <a:solidFill>
+                  <a:srgbClr val="000000"/>
+                </a:solidFill>
+                <a:latin typeface="Helvetica" panose="020B0604020202020204" pitchFamily="34" charset="0"/>
+                <a:ea typeface="Helvetica" panose="020B0604020202020204" pitchFamily="34" charset="0"/>
+                <a:cs typeface="Helvetica" panose="020B0604020202020204" pitchFamily="34" charset="0"/>
+                <a:sym typeface="Helvetica" panose="020B0604020202020204" pitchFamily="34" charset="0"/>
+              </a:defRPr>
+            </a:lvl6pPr>
+            <a:lvl7pPr marL="914400" algn="l" defTabSz="457200" rtl="0" fontAlgn="base" hangingPunct="0">
+              <a:spcBef>
+                <a:spcPct val="0"/>
+              </a:spcBef>
+              <a:spcAft>
+                <a:spcPct val="0"/>
+              </a:spcAft>
+              <a:defRPr sz="1200">
+                <a:solidFill>
+                  <a:srgbClr val="000000"/>
+                </a:solidFill>
+                <a:latin typeface="Helvetica" panose="020B0604020202020204" pitchFamily="34" charset="0"/>
+                <a:ea typeface="Helvetica" panose="020B0604020202020204" pitchFamily="34" charset="0"/>
+                <a:cs typeface="Helvetica" panose="020B0604020202020204" pitchFamily="34" charset="0"/>
+                <a:sym typeface="Helvetica" panose="020B0604020202020204" pitchFamily="34" charset="0"/>
+              </a:defRPr>
+            </a:lvl7pPr>
+            <a:lvl8pPr marL="1371600" algn="l" defTabSz="457200" rtl="0" fontAlgn="base" hangingPunct="0">
+              <a:spcBef>
+                <a:spcPct val="0"/>
+              </a:spcBef>
+              <a:spcAft>
+                <a:spcPct val="0"/>
+              </a:spcAft>
+              <a:defRPr sz="1200">
+                <a:solidFill>
+                  <a:srgbClr val="000000"/>
+                </a:solidFill>
+                <a:latin typeface="Helvetica" panose="020B0604020202020204" pitchFamily="34" charset="0"/>
+                <a:ea typeface="Helvetica" panose="020B0604020202020204" pitchFamily="34" charset="0"/>
+                <a:cs typeface="Helvetica" panose="020B0604020202020204" pitchFamily="34" charset="0"/>
+                <a:sym typeface="Helvetica" panose="020B0604020202020204" pitchFamily="34" charset="0"/>
+              </a:defRPr>
+            </a:lvl8pPr>
+            <a:lvl9pPr marL="1828800" algn="l" defTabSz="457200" rtl="0" fontAlgn="base" hangingPunct="0">
+              <a:spcBef>
+                <a:spcPct val="0"/>
+              </a:spcBef>
+              <a:spcAft>
+                <a:spcPct val="0"/>
+              </a:spcAft>
+              <a:defRPr sz="1200">
+                <a:solidFill>
+                  <a:srgbClr val="000000"/>
+                </a:solidFill>
+                <a:latin typeface="Helvetica" panose="020B0604020202020204" pitchFamily="34" charset="0"/>
+                <a:ea typeface="Helvetica" panose="020B0604020202020204" pitchFamily="34" charset="0"/>
+                <a:cs typeface="Helvetica" panose="020B0604020202020204" pitchFamily="34" charset="0"/>
+                <a:sym typeface="Helvetica" panose="020B0604020202020204" pitchFamily="34" charset="0"/>
+              </a:defRPr>
+            </a:lvl9pPr>
+          </a:lstStyle>
+          <a:p>
+            <a:endParaRPr lang="en-US" sz="5000" dirty="0">
+              <a:solidFill>
+                <a:schemeClr val="bg1"/>
+              </a:solidFill>
+            </a:endParaRPr>
+          </a:p>
+        </p:txBody>
+      </p:sp>
+      <p:sp>
+        <p:nvSpPr>
+          <p:cNvPr id="7" name="Oval 6"/>
+          <p:cNvSpPr/>
+          <p:nvPr/>
+        </p:nvSpPr>
+        <p:spPr bwMode="auto">
+          <a:xfrm>
+            <a:off x="8303568" y="2393504"/>
+            <a:ext cx="7632848" cy="7560840"/>
+          </a:xfrm>
+          <a:prstGeom prst="ellipse">
+            <a:avLst/>
+          </a:prstGeom>
+          <a:solidFill>
+            <a:schemeClr val="bg2">
+              <a:lumMod val="50000"/>
+              <a:alpha val="82000"/>
+            </a:schemeClr>
+          </a:solidFill>
+          <a:ln w="25400" cap="flat" cmpd="sng" algn="ctr">
+            <a:noFill/>
+            <a:prstDash val="solid"/>
+            <a:miter lim="0"/>
+            <a:headEnd type="none" w="med" len="med"/>
+            <a:tailEnd type="none" w="med" len="med"/>
+          </a:ln>
+          <a:effectLst>
+            <a:outerShdw blurRad="38100" dist="25400" dir="5400000" algn="ctr" rotWithShape="0">
+              <a:srgbClr val="000000">
+                <a:alpha val="50000"/>
+              </a:srgbClr>
+            </a:outerShdw>
+          </a:effectLst>
+        </p:spPr>
+        <p:txBody>
+          <a:bodyPr vert="horz" wrap="square" lIns="50800" tIns="50800" rIns="50800" bIns="50800" numCol="1" rtlCol="0" anchor="ctr" anchorCtr="0" compatLnSpc="1">
+            <a:prstTxWarp prst="textNoShape">
+              <a:avLst/>
+            </a:prstTxWarp>
+          </a:bodyPr>
+          <a:lstStyle/>
+          <a:p>
+            <a:pPr marL="342900" marR="0" indent="0" algn="ctr" defTabSz="825500" rtl="0" eaLnBrk="1" fontAlgn="base" latinLnBrk="0" hangingPunct="0">
+              <a:lnSpc>
+                <a:spcPct val="100000"/>
+              </a:lnSpc>
+              <a:spcBef>
+                <a:spcPct val="0"/>
+              </a:spcBef>
+              <a:spcAft>
+                <a:spcPct val="0"/>
+              </a:spcAft>
+              <a:buClrTx/>
+              <a:buSzTx/>
+              <a:buFontTx/>
+              <a:buNone/>
+              <a:tabLst/>
+            </a:pPr>
+            <a:endParaRPr kumimoji="0" lang="en-US" sz="5600" b="0" i="0" u="none" strike="noStrike" cap="none" normalizeH="0" baseline="0" smtClean="0">
+              <a:ln>
+                <a:noFill/>
+              </a:ln>
+              <a:solidFill>
+                <a:srgbClr val="000000"/>
+              </a:solidFill>
+              <a:effectLst/>
+              <a:latin typeface="Gill Sans" charset="0"/>
+              <a:ea typeface="Gill Sans" charset="0"/>
+              <a:cs typeface="Gill Sans" charset="0"/>
+              <a:sym typeface="Gill Sans" charset="0"/>
+            </a:endParaRPr>
+          </a:p>
+        </p:txBody>
+      </p:sp>
+      <p:sp>
+        <p:nvSpPr>
+          <p:cNvPr id="9" name="Oval 8"/>
+          <p:cNvSpPr/>
+          <p:nvPr/>
+        </p:nvSpPr>
+        <p:spPr bwMode="auto">
+          <a:xfrm>
+            <a:off x="16440472" y="2465512"/>
+            <a:ext cx="7632848" cy="7560840"/>
+          </a:xfrm>
+          <a:prstGeom prst="ellipse">
+            <a:avLst/>
+          </a:prstGeom>
+          <a:solidFill>
+            <a:schemeClr val="bg2">
+              <a:lumMod val="50000"/>
+              <a:alpha val="82000"/>
+            </a:schemeClr>
+          </a:solidFill>
+          <a:ln w="25400" cap="flat" cmpd="sng" algn="ctr">
+            <a:noFill/>
+            <a:prstDash val="solid"/>
+            <a:miter lim="0"/>
+            <a:headEnd type="none" w="med" len="med"/>
+            <a:tailEnd type="none" w="med" len="med"/>
+          </a:ln>
+          <a:effectLst>
+            <a:outerShdw blurRad="38100" dist="25400" dir="5400000" algn="ctr" rotWithShape="0">
+              <a:srgbClr val="000000">
+                <a:alpha val="50000"/>
+              </a:srgbClr>
+            </a:outerShdw>
+          </a:effectLst>
+        </p:spPr>
+        <p:txBody>
+          <a:bodyPr vert="horz" wrap="square" lIns="50800" tIns="50800" rIns="50800" bIns="50800" numCol="1" rtlCol="0" anchor="ctr" anchorCtr="0" compatLnSpc="1">
+            <a:prstTxWarp prst="textNoShape">
+              <a:avLst/>
+            </a:prstTxWarp>
+          </a:bodyPr>
+          <a:lstStyle/>
+          <a:p>
+            <a:pPr marL="342900" marR="0" indent="0" algn="ctr" defTabSz="825500" rtl="0" eaLnBrk="1" fontAlgn="base" latinLnBrk="0" hangingPunct="0">
+              <a:lnSpc>
+                <a:spcPct val="100000"/>
+              </a:lnSpc>
+              <a:spcBef>
+                <a:spcPct val="0"/>
+              </a:spcBef>
+              <a:spcAft>
+                <a:spcPct val="0"/>
+              </a:spcAft>
+              <a:buClrTx/>
+              <a:buSzTx/>
+              <a:buFontTx/>
+              <a:buNone/>
+              <a:tabLst/>
+            </a:pPr>
+            <a:endParaRPr kumimoji="0" lang="en-US" sz="5600" b="0" i="0" u="none" strike="noStrike" cap="none" normalizeH="0" baseline="0" smtClean="0">
+              <a:ln>
+                <a:noFill/>
+              </a:ln>
+              <a:solidFill>
+                <a:srgbClr val="000000"/>
+              </a:solidFill>
+              <a:effectLst/>
+              <a:latin typeface="Gill Sans" charset="0"/>
+              <a:ea typeface="Gill Sans" charset="0"/>
+              <a:cs typeface="Gill Sans" charset="0"/>
+              <a:sym typeface="Gill Sans" charset="0"/>
+            </a:endParaRPr>
+          </a:p>
+        </p:txBody>
+      </p:sp>
+      <p:sp>
+        <p:nvSpPr>
+          <p:cNvPr id="13" name="Title 1"/>
+          <p:cNvSpPr txBox="1">
+            <a:spLocks/>
+          </p:cNvSpPr>
+          <p:nvPr/>
+        </p:nvSpPr>
+        <p:spPr>
+          <a:xfrm>
+            <a:off x="9167664" y="3833664"/>
+            <a:ext cx="5904656" cy="2808312"/>
+          </a:xfrm>
+          <a:prstGeom prst="rect">
+            <a:avLst/>
+          </a:prstGeom>
+        </p:spPr>
+        <p:txBody>
+          <a:bodyPr vert="horz" lIns="91440" tIns="45720" rIns="91440" bIns="45720" rtlCol="0" anchor="ctr">
+            <a:normAutofit/>
+          </a:bodyPr>
+          <a:lstStyle>
+            <a:lvl1pPr algn="l" defTabSz="457200" rtl="0" eaLnBrk="0" fontAlgn="base" hangingPunct="0">
+              <a:spcBef>
+                <a:spcPct val="0"/>
+              </a:spcBef>
+              <a:spcAft>
+                <a:spcPct val="0"/>
+              </a:spcAft>
+              <a:defRPr sz="9200" b="1" kern="1200">
+                <a:solidFill>
+                  <a:srgbClr val="4D4D4D"/>
+                </a:solidFill>
+                <a:latin typeface="Aleo" panose="020F0502020204030203" pitchFamily="34" charset="0"/>
+                <a:ea typeface="+mj-ea"/>
+                <a:cs typeface="+mj-cs"/>
+                <a:sym typeface="Helvetica" panose="020B0604020202020204" pitchFamily="34" charset="0"/>
+              </a:defRPr>
+            </a:lvl1pPr>
+            <a:lvl2pPr algn="l" defTabSz="457200" rtl="0" eaLnBrk="0" fontAlgn="base" hangingPunct="0">
+              <a:spcBef>
+                <a:spcPct val="0"/>
+              </a:spcBef>
+              <a:spcAft>
+                <a:spcPct val="0"/>
+              </a:spcAft>
+              <a:defRPr sz="1200">
+                <a:solidFill>
+                  <a:srgbClr val="000000"/>
+                </a:solidFill>
+                <a:latin typeface="Helvetica" panose="020B0604020202020204" pitchFamily="34" charset="0"/>
+                <a:ea typeface="Helvetica" panose="020B0604020202020204" pitchFamily="34" charset="0"/>
+                <a:cs typeface="Helvetica" panose="020B0604020202020204" pitchFamily="34" charset="0"/>
+                <a:sym typeface="Helvetica" panose="020B0604020202020204" pitchFamily="34" charset="0"/>
+              </a:defRPr>
+            </a:lvl2pPr>
+            <a:lvl3pPr algn="l" defTabSz="457200" rtl="0" eaLnBrk="0" fontAlgn="base" hangingPunct="0">
+              <a:spcBef>
+                <a:spcPct val="0"/>
+              </a:spcBef>
+              <a:spcAft>
+                <a:spcPct val="0"/>
+              </a:spcAft>
+              <a:defRPr sz="1200">
+                <a:solidFill>
+                  <a:srgbClr val="000000"/>
+                </a:solidFill>
+                <a:latin typeface="Helvetica" panose="020B0604020202020204" pitchFamily="34" charset="0"/>
+                <a:ea typeface="Helvetica" panose="020B0604020202020204" pitchFamily="34" charset="0"/>
+                <a:cs typeface="Helvetica" panose="020B0604020202020204" pitchFamily="34" charset="0"/>
+                <a:sym typeface="Helvetica" panose="020B0604020202020204" pitchFamily="34" charset="0"/>
+              </a:defRPr>
+            </a:lvl3pPr>
+            <a:lvl4pPr algn="l" defTabSz="457200" rtl="0" eaLnBrk="0" fontAlgn="base" hangingPunct="0">
+              <a:spcBef>
+                <a:spcPct val="0"/>
+              </a:spcBef>
+              <a:spcAft>
+                <a:spcPct val="0"/>
+              </a:spcAft>
+              <a:defRPr sz="1200">
+                <a:solidFill>
+                  <a:srgbClr val="000000"/>
+                </a:solidFill>
+                <a:latin typeface="Helvetica" panose="020B0604020202020204" pitchFamily="34" charset="0"/>
+                <a:ea typeface="Helvetica" panose="020B0604020202020204" pitchFamily="34" charset="0"/>
+                <a:cs typeface="Helvetica" panose="020B0604020202020204" pitchFamily="34" charset="0"/>
+                <a:sym typeface="Helvetica" panose="020B0604020202020204" pitchFamily="34" charset="0"/>
+              </a:defRPr>
+            </a:lvl4pPr>
+            <a:lvl5pPr algn="l" defTabSz="457200" rtl="0" eaLnBrk="0" fontAlgn="base" hangingPunct="0">
+              <a:spcBef>
+                <a:spcPct val="0"/>
+              </a:spcBef>
+              <a:spcAft>
+                <a:spcPct val="0"/>
+              </a:spcAft>
+              <a:defRPr sz="1200">
+                <a:solidFill>
+                  <a:srgbClr val="000000"/>
+                </a:solidFill>
+                <a:latin typeface="Helvetica" panose="020B0604020202020204" pitchFamily="34" charset="0"/>
+                <a:ea typeface="Helvetica" panose="020B0604020202020204" pitchFamily="34" charset="0"/>
+                <a:cs typeface="Helvetica" panose="020B0604020202020204" pitchFamily="34" charset="0"/>
+                <a:sym typeface="Helvetica" panose="020B0604020202020204" pitchFamily="34" charset="0"/>
+              </a:defRPr>
+            </a:lvl5pPr>
+            <a:lvl6pPr marL="457200" algn="l" defTabSz="457200" rtl="0" fontAlgn="base" hangingPunct="0">
+              <a:spcBef>
+                <a:spcPct val="0"/>
+              </a:spcBef>
+              <a:spcAft>
+                <a:spcPct val="0"/>
+              </a:spcAft>
+              <a:defRPr sz="1200">
+                <a:solidFill>
+                  <a:srgbClr val="000000"/>
+                </a:solidFill>
+                <a:latin typeface="Helvetica" panose="020B0604020202020204" pitchFamily="34" charset="0"/>
+                <a:ea typeface="Helvetica" panose="020B0604020202020204" pitchFamily="34" charset="0"/>
+                <a:cs typeface="Helvetica" panose="020B0604020202020204" pitchFamily="34" charset="0"/>
+                <a:sym typeface="Helvetica" panose="020B0604020202020204" pitchFamily="34" charset="0"/>
+              </a:defRPr>
+            </a:lvl6pPr>
+            <a:lvl7pPr marL="914400" algn="l" defTabSz="457200" rtl="0" fontAlgn="base" hangingPunct="0">
+              <a:spcBef>
+                <a:spcPct val="0"/>
+              </a:spcBef>
+              <a:spcAft>
+                <a:spcPct val="0"/>
+              </a:spcAft>
+              <a:defRPr sz="1200">
+                <a:solidFill>
+                  <a:srgbClr val="000000"/>
+                </a:solidFill>
+                <a:latin typeface="Helvetica" panose="020B0604020202020204" pitchFamily="34" charset="0"/>
+                <a:ea typeface="Helvetica" panose="020B0604020202020204" pitchFamily="34" charset="0"/>
+                <a:cs typeface="Helvetica" panose="020B0604020202020204" pitchFamily="34" charset="0"/>
+                <a:sym typeface="Helvetica" panose="020B0604020202020204" pitchFamily="34" charset="0"/>
+              </a:defRPr>
+            </a:lvl7pPr>
+            <a:lvl8pPr marL="1371600" algn="l" defTabSz="457200" rtl="0" fontAlgn="base" hangingPunct="0">
+              <a:spcBef>
+                <a:spcPct val="0"/>
+              </a:spcBef>
+              <a:spcAft>
+                <a:spcPct val="0"/>
+              </a:spcAft>
+              <a:defRPr sz="1200">
+                <a:solidFill>
+                  <a:srgbClr val="000000"/>
+                </a:solidFill>
+                <a:latin typeface="Helvetica" panose="020B0604020202020204" pitchFamily="34" charset="0"/>
+                <a:ea typeface="Helvetica" panose="020B0604020202020204" pitchFamily="34" charset="0"/>
+                <a:cs typeface="Helvetica" panose="020B0604020202020204" pitchFamily="34" charset="0"/>
+                <a:sym typeface="Helvetica" panose="020B0604020202020204" pitchFamily="34" charset="0"/>
+              </a:defRPr>
+            </a:lvl8pPr>
+            <a:lvl9pPr marL="1828800" algn="l" defTabSz="457200" rtl="0" fontAlgn="base" hangingPunct="0">
+              <a:spcBef>
+                <a:spcPct val="0"/>
+              </a:spcBef>
+              <a:spcAft>
+                <a:spcPct val="0"/>
+              </a:spcAft>
+              <a:defRPr sz="1200">
+                <a:solidFill>
+                  <a:srgbClr val="000000"/>
+                </a:solidFill>
+                <a:latin typeface="Helvetica" panose="020B0604020202020204" pitchFamily="34" charset="0"/>
+                <a:ea typeface="Helvetica" panose="020B0604020202020204" pitchFamily="34" charset="0"/>
+                <a:cs typeface="Helvetica" panose="020B0604020202020204" pitchFamily="34" charset="0"/>
+                <a:sym typeface="Helvetica" panose="020B0604020202020204" pitchFamily="34" charset="0"/>
+              </a:defRPr>
+            </a:lvl9pPr>
+          </a:lstStyle>
+          <a:p>
+            <a:pPr algn="ctr"/>
+            <a:r>
+              <a:rPr lang="en-US" sz="5000" dirty="0" smtClean="0">
+                <a:solidFill>
+                  <a:schemeClr val="bg1"/>
+                </a:solidFill>
+              </a:rPr>
+              <a:t>Partner with deal and ecommerce websites</a:t>
+            </a:r>
+            <a:endParaRPr lang="en-US" sz="5000" dirty="0">
+              <a:solidFill>
+                <a:schemeClr val="bg1"/>
+              </a:solidFill>
+            </a:endParaRPr>
+          </a:p>
+        </p:txBody>
+      </p:sp>
+      <p:sp>
+        <p:nvSpPr>
+          <p:cNvPr id="14" name="Title 1"/>
+          <p:cNvSpPr txBox="1">
+            <a:spLocks/>
+          </p:cNvSpPr>
+          <p:nvPr/>
+        </p:nvSpPr>
+        <p:spPr>
+          <a:xfrm>
+            <a:off x="9383688" y="6281936"/>
+            <a:ext cx="5904656" cy="2808312"/>
+          </a:xfrm>
+          <a:prstGeom prst="rect">
+            <a:avLst/>
+          </a:prstGeom>
+        </p:spPr>
+        <p:txBody>
+          <a:bodyPr vert="horz" lIns="91440" tIns="45720" rIns="91440" bIns="45720" rtlCol="0" anchor="ctr">
+            <a:normAutofit/>
+          </a:bodyPr>
+          <a:lstStyle>
+            <a:lvl1pPr algn="l" defTabSz="457200" rtl="0" eaLnBrk="0" fontAlgn="base" hangingPunct="0">
+              <a:spcBef>
+                <a:spcPct val="0"/>
+              </a:spcBef>
+              <a:spcAft>
+                <a:spcPct val="0"/>
+              </a:spcAft>
+              <a:defRPr sz="9200" b="1" kern="1200">
+                <a:solidFill>
+                  <a:srgbClr val="4D4D4D"/>
+                </a:solidFill>
+                <a:latin typeface="Aleo" panose="020F0502020204030203" pitchFamily="34" charset="0"/>
+                <a:ea typeface="+mj-ea"/>
+                <a:cs typeface="+mj-cs"/>
+                <a:sym typeface="Helvetica" panose="020B0604020202020204" pitchFamily="34" charset="0"/>
+              </a:defRPr>
+            </a:lvl1pPr>
+            <a:lvl2pPr algn="l" defTabSz="457200" rtl="0" eaLnBrk="0" fontAlgn="base" hangingPunct="0">
+              <a:spcBef>
+                <a:spcPct val="0"/>
+              </a:spcBef>
+              <a:spcAft>
+                <a:spcPct val="0"/>
+              </a:spcAft>
+              <a:defRPr sz="1200">
+                <a:solidFill>
+                  <a:srgbClr val="000000"/>
+                </a:solidFill>
+                <a:latin typeface="Helvetica" panose="020B0604020202020204" pitchFamily="34" charset="0"/>
+                <a:ea typeface="Helvetica" panose="020B0604020202020204" pitchFamily="34" charset="0"/>
+                <a:cs typeface="Helvetica" panose="020B0604020202020204" pitchFamily="34" charset="0"/>
+                <a:sym typeface="Helvetica" panose="020B0604020202020204" pitchFamily="34" charset="0"/>
+              </a:defRPr>
+            </a:lvl2pPr>
+            <a:lvl3pPr algn="l" defTabSz="457200" rtl="0" eaLnBrk="0" fontAlgn="base" hangingPunct="0">
+              <a:spcBef>
+                <a:spcPct val="0"/>
+              </a:spcBef>
+              <a:spcAft>
+                <a:spcPct val="0"/>
+              </a:spcAft>
+              <a:defRPr sz="1200">
+                <a:solidFill>
+                  <a:srgbClr val="000000"/>
+                </a:solidFill>
+                <a:latin typeface="Helvetica" panose="020B0604020202020204" pitchFamily="34" charset="0"/>
+                <a:ea typeface="Helvetica" panose="020B0604020202020204" pitchFamily="34" charset="0"/>
+                <a:cs typeface="Helvetica" panose="020B0604020202020204" pitchFamily="34" charset="0"/>
+                <a:sym typeface="Helvetica" panose="020B0604020202020204" pitchFamily="34" charset="0"/>
+              </a:defRPr>
+            </a:lvl3pPr>
+            <a:lvl4pPr algn="l" defTabSz="457200" rtl="0" eaLnBrk="0" fontAlgn="base" hangingPunct="0">
+              <a:spcBef>
+                <a:spcPct val="0"/>
+              </a:spcBef>
+              <a:spcAft>
+                <a:spcPct val="0"/>
+              </a:spcAft>
+              <a:defRPr sz="1200">
+                <a:solidFill>
+                  <a:srgbClr val="000000"/>
+                </a:solidFill>
+                <a:latin typeface="Helvetica" panose="020B0604020202020204" pitchFamily="34" charset="0"/>
+                <a:ea typeface="Helvetica" panose="020B0604020202020204" pitchFamily="34" charset="0"/>
+                <a:cs typeface="Helvetica" panose="020B0604020202020204" pitchFamily="34" charset="0"/>
+                <a:sym typeface="Helvetica" panose="020B0604020202020204" pitchFamily="34" charset="0"/>
+              </a:defRPr>
+            </a:lvl4pPr>
+            <a:lvl5pPr algn="l" defTabSz="457200" rtl="0" eaLnBrk="0" fontAlgn="base" hangingPunct="0">
+              <a:spcBef>
+                <a:spcPct val="0"/>
+              </a:spcBef>
+              <a:spcAft>
+                <a:spcPct val="0"/>
+              </a:spcAft>
+              <a:defRPr sz="1200">
+                <a:solidFill>
+                  <a:srgbClr val="000000"/>
+                </a:solidFill>
+                <a:latin typeface="Helvetica" panose="020B0604020202020204" pitchFamily="34" charset="0"/>
+                <a:ea typeface="Helvetica" panose="020B0604020202020204" pitchFamily="34" charset="0"/>
+                <a:cs typeface="Helvetica" panose="020B0604020202020204" pitchFamily="34" charset="0"/>
+                <a:sym typeface="Helvetica" panose="020B0604020202020204" pitchFamily="34" charset="0"/>
+              </a:defRPr>
+            </a:lvl5pPr>
+            <a:lvl6pPr marL="457200" algn="l" defTabSz="457200" rtl="0" fontAlgn="base" hangingPunct="0">
+              <a:spcBef>
+                <a:spcPct val="0"/>
+              </a:spcBef>
+              <a:spcAft>
+                <a:spcPct val="0"/>
+              </a:spcAft>
+              <a:defRPr sz="1200">
+                <a:solidFill>
+                  <a:srgbClr val="000000"/>
+                </a:solidFill>
+                <a:latin typeface="Helvetica" panose="020B0604020202020204" pitchFamily="34" charset="0"/>
+                <a:ea typeface="Helvetica" panose="020B0604020202020204" pitchFamily="34" charset="0"/>
+                <a:cs typeface="Helvetica" panose="020B0604020202020204" pitchFamily="34" charset="0"/>
+                <a:sym typeface="Helvetica" panose="020B0604020202020204" pitchFamily="34" charset="0"/>
+              </a:defRPr>
+            </a:lvl6pPr>
+            <a:lvl7pPr marL="914400" algn="l" defTabSz="457200" rtl="0" fontAlgn="base" hangingPunct="0">
+              <a:spcBef>
+                <a:spcPct val="0"/>
+              </a:spcBef>
+              <a:spcAft>
+                <a:spcPct val="0"/>
+              </a:spcAft>
+              <a:defRPr sz="1200">
+                <a:solidFill>
+                  <a:srgbClr val="000000"/>
+                </a:solidFill>
+                <a:latin typeface="Helvetica" panose="020B0604020202020204" pitchFamily="34" charset="0"/>
+                <a:ea typeface="Helvetica" panose="020B0604020202020204" pitchFamily="34" charset="0"/>
+                <a:cs typeface="Helvetica" panose="020B0604020202020204" pitchFamily="34" charset="0"/>
+                <a:sym typeface="Helvetica" panose="020B0604020202020204" pitchFamily="34" charset="0"/>
+              </a:defRPr>
+            </a:lvl7pPr>
+            <a:lvl8pPr marL="1371600" algn="l" defTabSz="457200" rtl="0" fontAlgn="base" hangingPunct="0">
+              <a:spcBef>
+                <a:spcPct val="0"/>
+              </a:spcBef>
+              <a:spcAft>
+                <a:spcPct val="0"/>
+              </a:spcAft>
+              <a:defRPr sz="1200">
+                <a:solidFill>
+                  <a:srgbClr val="000000"/>
+                </a:solidFill>
+                <a:latin typeface="Helvetica" panose="020B0604020202020204" pitchFamily="34" charset="0"/>
+                <a:ea typeface="Helvetica" panose="020B0604020202020204" pitchFamily="34" charset="0"/>
+                <a:cs typeface="Helvetica" panose="020B0604020202020204" pitchFamily="34" charset="0"/>
+                <a:sym typeface="Helvetica" panose="020B0604020202020204" pitchFamily="34" charset="0"/>
+              </a:defRPr>
+            </a:lvl8pPr>
+            <a:lvl9pPr marL="1828800" algn="l" defTabSz="457200" rtl="0" fontAlgn="base" hangingPunct="0">
+              <a:spcBef>
+                <a:spcPct val="0"/>
+              </a:spcBef>
+              <a:spcAft>
+                <a:spcPct val="0"/>
+              </a:spcAft>
+              <a:defRPr sz="1200">
+                <a:solidFill>
+                  <a:srgbClr val="000000"/>
+                </a:solidFill>
+                <a:latin typeface="Helvetica" panose="020B0604020202020204" pitchFamily="34" charset="0"/>
+                <a:ea typeface="Helvetica" panose="020B0604020202020204" pitchFamily="34" charset="0"/>
+                <a:cs typeface="Helvetica" panose="020B0604020202020204" pitchFamily="34" charset="0"/>
+                <a:sym typeface="Helvetica" panose="020B0604020202020204" pitchFamily="34" charset="0"/>
+              </a:defRPr>
+            </a:lvl9pPr>
+          </a:lstStyle>
+          <a:p>
+            <a:pPr algn="ctr"/>
+            <a:r>
+              <a:rPr lang="en-US" sz="12000" b="0" dirty="0" smtClean="0">
+                <a:solidFill>
+                  <a:schemeClr val="accent2"/>
+                </a:solidFill>
+                <a:effectLst>
+                  <a:glow rad="101600">
+                    <a:schemeClr val="bg1">
+                      <a:alpha val="75000"/>
+                    </a:schemeClr>
+                  </a:glow>
+                  <a:outerShdw blurRad="50800" dist="38100" dir="2700000" algn="tl" rotWithShape="0">
+                    <a:schemeClr val="accent3">
+                      <a:alpha val="43000"/>
+                    </a:schemeClr>
+                  </a:outerShdw>
+                </a:effectLst>
+              </a:rPr>
+              <a:t>$$</a:t>
+            </a:r>
+            <a:endParaRPr lang="en-US" sz="12000" dirty="0">
+              <a:solidFill>
+                <a:schemeClr val="accent2"/>
+              </a:solidFill>
+              <a:effectLst>
+                <a:glow rad="101600">
+                  <a:schemeClr val="bg1">
+                    <a:alpha val="75000"/>
+                  </a:schemeClr>
+                </a:glow>
+                <a:outerShdw blurRad="50800" dist="38100" dir="2700000" algn="tl" rotWithShape="0">
+                  <a:schemeClr val="accent3">
+                    <a:alpha val="43000"/>
+                  </a:schemeClr>
+                </a:outerShdw>
+              </a:effectLst>
+            </a:endParaRPr>
+          </a:p>
+        </p:txBody>
+      </p:sp>
+      <p:sp>
+        <p:nvSpPr>
+          <p:cNvPr id="16" name="Title 1"/>
+          <p:cNvSpPr txBox="1">
+            <a:spLocks/>
+          </p:cNvSpPr>
+          <p:nvPr/>
+        </p:nvSpPr>
+        <p:spPr>
+          <a:xfrm>
+            <a:off x="17232560" y="3761656"/>
+            <a:ext cx="6192688" cy="2880320"/>
+          </a:xfrm>
+          <a:prstGeom prst="rect">
+            <a:avLst/>
+          </a:prstGeom>
+        </p:spPr>
+        <p:txBody>
+          <a:bodyPr vert="horz" lIns="91440" tIns="45720" rIns="91440" bIns="45720" rtlCol="0" anchor="ctr">
+            <a:normAutofit lnSpcReduction="10000"/>
+          </a:bodyPr>
+          <a:lstStyle>
+            <a:lvl1pPr algn="l" defTabSz="457200" rtl="0" eaLnBrk="0" fontAlgn="base" hangingPunct="0">
+              <a:spcBef>
+                <a:spcPct val="0"/>
+              </a:spcBef>
+              <a:spcAft>
+                <a:spcPct val="0"/>
+              </a:spcAft>
+              <a:defRPr sz="9200" b="1" kern="1200">
+                <a:solidFill>
+                  <a:srgbClr val="4D4D4D"/>
+                </a:solidFill>
+                <a:latin typeface="Aleo" panose="020F0502020204030203" pitchFamily="34" charset="0"/>
+                <a:ea typeface="+mj-ea"/>
+                <a:cs typeface="+mj-cs"/>
+                <a:sym typeface="Helvetica" panose="020B0604020202020204" pitchFamily="34" charset="0"/>
+              </a:defRPr>
+            </a:lvl1pPr>
+            <a:lvl2pPr algn="l" defTabSz="457200" rtl="0" eaLnBrk="0" fontAlgn="base" hangingPunct="0">
+              <a:spcBef>
+                <a:spcPct val="0"/>
+              </a:spcBef>
+              <a:spcAft>
+                <a:spcPct val="0"/>
+              </a:spcAft>
+              <a:defRPr sz="1200">
+                <a:solidFill>
+                  <a:srgbClr val="000000"/>
+                </a:solidFill>
+                <a:latin typeface="Helvetica" panose="020B0604020202020204" pitchFamily="34" charset="0"/>
+                <a:ea typeface="Helvetica" panose="020B0604020202020204" pitchFamily="34" charset="0"/>
+                <a:cs typeface="Helvetica" panose="020B0604020202020204" pitchFamily="34" charset="0"/>
+                <a:sym typeface="Helvetica" panose="020B0604020202020204" pitchFamily="34" charset="0"/>
+              </a:defRPr>
+            </a:lvl2pPr>
+            <a:lvl3pPr algn="l" defTabSz="457200" rtl="0" eaLnBrk="0" fontAlgn="base" hangingPunct="0">
+              <a:spcBef>
+                <a:spcPct val="0"/>
+              </a:spcBef>
+              <a:spcAft>
+                <a:spcPct val="0"/>
+              </a:spcAft>
+              <a:defRPr sz="1200">
+                <a:solidFill>
+                  <a:srgbClr val="000000"/>
+                </a:solidFill>
+                <a:latin typeface="Helvetica" panose="020B0604020202020204" pitchFamily="34" charset="0"/>
+                <a:ea typeface="Helvetica" panose="020B0604020202020204" pitchFamily="34" charset="0"/>
+                <a:cs typeface="Helvetica" panose="020B0604020202020204" pitchFamily="34" charset="0"/>
+                <a:sym typeface="Helvetica" panose="020B0604020202020204" pitchFamily="34" charset="0"/>
+              </a:defRPr>
+            </a:lvl3pPr>
+            <a:lvl4pPr algn="l" defTabSz="457200" rtl="0" eaLnBrk="0" fontAlgn="base" hangingPunct="0">
+              <a:spcBef>
+                <a:spcPct val="0"/>
+              </a:spcBef>
+              <a:spcAft>
+                <a:spcPct val="0"/>
+              </a:spcAft>
+              <a:defRPr sz="1200">
+                <a:solidFill>
+                  <a:srgbClr val="000000"/>
+                </a:solidFill>
+                <a:latin typeface="Helvetica" panose="020B0604020202020204" pitchFamily="34" charset="0"/>
+                <a:ea typeface="Helvetica" panose="020B0604020202020204" pitchFamily="34" charset="0"/>
+                <a:cs typeface="Helvetica" panose="020B0604020202020204" pitchFamily="34" charset="0"/>
+                <a:sym typeface="Helvetica" panose="020B0604020202020204" pitchFamily="34" charset="0"/>
+              </a:defRPr>
+            </a:lvl4pPr>
+            <a:lvl5pPr algn="l" defTabSz="457200" rtl="0" eaLnBrk="0" fontAlgn="base" hangingPunct="0">
+              <a:spcBef>
+                <a:spcPct val="0"/>
+              </a:spcBef>
+              <a:spcAft>
+                <a:spcPct val="0"/>
+              </a:spcAft>
+              <a:defRPr sz="1200">
+                <a:solidFill>
+                  <a:srgbClr val="000000"/>
+                </a:solidFill>
+                <a:latin typeface="Helvetica" panose="020B0604020202020204" pitchFamily="34" charset="0"/>
+                <a:ea typeface="Helvetica" panose="020B0604020202020204" pitchFamily="34" charset="0"/>
+                <a:cs typeface="Helvetica" panose="020B0604020202020204" pitchFamily="34" charset="0"/>
+                <a:sym typeface="Helvetica" panose="020B0604020202020204" pitchFamily="34" charset="0"/>
+              </a:defRPr>
+            </a:lvl5pPr>
+            <a:lvl6pPr marL="457200" algn="l" defTabSz="457200" rtl="0" fontAlgn="base" hangingPunct="0">
+              <a:spcBef>
+                <a:spcPct val="0"/>
+              </a:spcBef>
+              <a:spcAft>
+                <a:spcPct val="0"/>
+              </a:spcAft>
+              <a:defRPr sz="1200">
+                <a:solidFill>
+                  <a:srgbClr val="000000"/>
+                </a:solidFill>
+                <a:latin typeface="Helvetica" panose="020B0604020202020204" pitchFamily="34" charset="0"/>
+                <a:ea typeface="Helvetica" panose="020B0604020202020204" pitchFamily="34" charset="0"/>
+                <a:cs typeface="Helvetica" panose="020B0604020202020204" pitchFamily="34" charset="0"/>
+                <a:sym typeface="Helvetica" panose="020B0604020202020204" pitchFamily="34" charset="0"/>
+              </a:defRPr>
+            </a:lvl6pPr>
+            <a:lvl7pPr marL="914400" algn="l" defTabSz="457200" rtl="0" fontAlgn="base" hangingPunct="0">
+              <a:spcBef>
+                <a:spcPct val="0"/>
+              </a:spcBef>
+              <a:spcAft>
+                <a:spcPct val="0"/>
+              </a:spcAft>
+              <a:defRPr sz="1200">
+                <a:solidFill>
+                  <a:srgbClr val="000000"/>
+                </a:solidFill>
+                <a:latin typeface="Helvetica" panose="020B0604020202020204" pitchFamily="34" charset="0"/>
+                <a:ea typeface="Helvetica" panose="020B0604020202020204" pitchFamily="34" charset="0"/>
+                <a:cs typeface="Helvetica" panose="020B0604020202020204" pitchFamily="34" charset="0"/>
+                <a:sym typeface="Helvetica" panose="020B0604020202020204" pitchFamily="34" charset="0"/>
+              </a:defRPr>
+            </a:lvl7pPr>
+            <a:lvl8pPr marL="1371600" algn="l" defTabSz="457200" rtl="0" fontAlgn="base" hangingPunct="0">
+              <a:spcBef>
+                <a:spcPct val="0"/>
+              </a:spcBef>
+              <a:spcAft>
+                <a:spcPct val="0"/>
+              </a:spcAft>
+              <a:defRPr sz="1200">
+                <a:solidFill>
+                  <a:srgbClr val="000000"/>
+                </a:solidFill>
+                <a:latin typeface="Helvetica" panose="020B0604020202020204" pitchFamily="34" charset="0"/>
+                <a:ea typeface="Helvetica" panose="020B0604020202020204" pitchFamily="34" charset="0"/>
+                <a:cs typeface="Helvetica" panose="020B0604020202020204" pitchFamily="34" charset="0"/>
+                <a:sym typeface="Helvetica" panose="020B0604020202020204" pitchFamily="34" charset="0"/>
+              </a:defRPr>
+            </a:lvl8pPr>
+            <a:lvl9pPr marL="1828800" algn="l" defTabSz="457200" rtl="0" fontAlgn="base" hangingPunct="0">
+              <a:spcBef>
+                <a:spcPct val="0"/>
+              </a:spcBef>
+              <a:spcAft>
+                <a:spcPct val="0"/>
+              </a:spcAft>
+              <a:defRPr sz="1200">
+                <a:solidFill>
+                  <a:srgbClr val="000000"/>
+                </a:solidFill>
+                <a:latin typeface="Helvetica" panose="020B0604020202020204" pitchFamily="34" charset="0"/>
+                <a:ea typeface="Helvetica" panose="020B0604020202020204" pitchFamily="34" charset="0"/>
+                <a:cs typeface="Helvetica" panose="020B0604020202020204" pitchFamily="34" charset="0"/>
+                <a:sym typeface="Helvetica" panose="020B0604020202020204" pitchFamily="34" charset="0"/>
+              </a:defRPr>
+            </a:lvl9pPr>
+          </a:lstStyle>
+          <a:p>
+            <a:pPr algn="ctr"/>
+            <a:r>
+              <a:rPr lang="en-US" sz="5000" dirty="0" smtClean="0">
+                <a:solidFill>
+                  <a:schemeClr val="bg1"/>
+                </a:solidFill>
+              </a:rPr>
+              <a:t>Partner directly with retail brands and cut out the middleman</a:t>
+            </a:r>
+            <a:endParaRPr lang="en-US" sz="5000" dirty="0">
+              <a:solidFill>
+                <a:schemeClr val="bg1"/>
+              </a:solidFill>
+            </a:endParaRPr>
+          </a:p>
+        </p:txBody>
+      </p:sp>
+      <p:sp>
+        <p:nvSpPr>
+          <p:cNvPr id="17" name="Title 1"/>
+          <p:cNvSpPr txBox="1">
+            <a:spLocks/>
+          </p:cNvSpPr>
+          <p:nvPr/>
+        </p:nvSpPr>
+        <p:spPr>
+          <a:xfrm>
+            <a:off x="17520592" y="6425952"/>
+            <a:ext cx="5904656" cy="2808312"/>
+          </a:xfrm>
+          <a:prstGeom prst="rect">
+            <a:avLst/>
+          </a:prstGeom>
+        </p:spPr>
+        <p:txBody>
+          <a:bodyPr vert="horz" lIns="91440" tIns="45720" rIns="91440" bIns="45720" rtlCol="0" anchor="ctr">
+            <a:normAutofit/>
+          </a:bodyPr>
+          <a:lstStyle>
+            <a:lvl1pPr algn="l" defTabSz="457200" rtl="0" eaLnBrk="0" fontAlgn="base" hangingPunct="0">
+              <a:spcBef>
+                <a:spcPct val="0"/>
+              </a:spcBef>
+              <a:spcAft>
+                <a:spcPct val="0"/>
+              </a:spcAft>
+              <a:defRPr sz="9200" b="1" kern="1200">
+                <a:solidFill>
+                  <a:srgbClr val="4D4D4D"/>
+                </a:solidFill>
+                <a:latin typeface="Aleo" panose="020F0502020204030203" pitchFamily="34" charset="0"/>
+                <a:ea typeface="+mj-ea"/>
+                <a:cs typeface="+mj-cs"/>
+                <a:sym typeface="Helvetica" panose="020B0604020202020204" pitchFamily="34" charset="0"/>
+              </a:defRPr>
+            </a:lvl1pPr>
+            <a:lvl2pPr algn="l" defTabSz="457200" rtl="0" eaLnBrk="0" fontAlgn="base" hangingPunct="0">
+              <a:spcBef>
+                <a:spcPct val="0"/>
+              </a:spcBef>
+              <a:spcAft>
+                <a:spcPct val="0"/>
+              </a:spcAft>
+              <a:defRPr sz="1200">
+                <a:solidFill>
+                  <a:srgbClr val="000000"/>
+                </a:solidFill>
+                <a:latin typeface="Helvetica" panose="020B0604020202020204" pitchFamily="34" charset="0"/>
+                <a:ea typeface="Helvetica" panose="020B0604020202020204" pitchFamily="34" charset="0"/>
+                <a:cs typeface="Helvetica" panose="020B0604020202020204" pitchFamily="34" charset="0"/>
+                <a:sym typeface="Helvetica" panose="020B0604020202020204" pitchFamily="34" charset="0"/>
+              </a:defRPr>
+            </a:lvl2pPr>
+            <a:lvl3pPr algn="l" defTabSz="457200" rtl="0" eaLnBrk="0" fontAlgn="base" hangingPunct="0">
+              <a:spcBef>
+                <a:spcPct val="0"/>
+              </a:spcBef>
+              <a:spcAft>
+                <a:spcPct val="0"/>
+              </a:spcAft>
+              <a:defRPr sz="1200">
+                <a:solidFill>
+                  <a:srgbClr val="000000"/>
+                </a:solidFill>
+                <a:latin typeface="Helvetica" panose="020B0604020202020204" pitchFamily="34" charset="0"/>
+                <a:ea typeface="Helvetica" panose="020B0604020202020204" pitchFamily="34" charset="0"/>
+                <a:cs typeface="Helvetica" panose="020B0604020202020204" pitchFamily="34" charset="0"/>
+                <a:sym typeface="Helvetica" panose="020B0604020202020204" pitchFamily="34" charset="0"/>
+              </a:defRPr>
+            </a:lvl3pPr>
+            <a:lvl4pPr algn="l" defTabSz="457200" rtl="0" eaLnBrk="0" fontAlgn="base" hangingPunct="0">
+              <a:spcBef>
+                <a:spcPct val="0"/>
+              </a:spcBef>
+              <a:spcAft>
+                <a:spcPct val="0"/>
+              </a:spcAft>
+              <a:defRPr sz="1200">
+                <a:solidFill>
+                  <a:srgbClr val="000000"/>
+                </a:solidFill>
+                <a:latin typeface="Helvetica" panose="020B0604020202020204" pitchFamily="34" charset="0"/>
+                <a:ea typeface="Helvetica" panose="020B0604020202020204" pitchFamily="34" charset="0"/>
+                <a:cs typeface="Helvetica" panose="020B0604020202020204" pitchFamily="34" charset="0"/>
+                <a:sym typeface="Helvetica" panose="020B0604020202020204" pitchFamily="34" charset="0"/>
+              </a:defRPr>
+            </a:lvl4pPr>
+            <a:lvl5pPr algn="l" defTabSz="457200" rtl="0" eaLnBrk="0" fontAlgn="base" hangingPunct="0">
+              <a:spcBef>
+                <a:spcPct val="0"/>
+              </a:spcBef>
+              <a:spcAft>
+                <a:spcPct val="0"/>
+              </a:spcAft>
+              <a:defRPr sz="1200">
+                <a:solidFill>
+                  <a:srgbClr val="000000"/>
+                </a:solidFill>
+                <a:latin typeface="Helvetica" panose="020B0604020202020204" pitchFamily="34" charset="0"/>
+                <a:ea typeface="Helvetica" panose="020B0604020202020204" pitchFamily="34" charset="0"/>
+                <a:cs typeface="Helvetica" panose="020B0604020202020204" pitchFamily="34" charset="0"/>
+                <a:sym typeface="Helvetica" panose="020B0604020202020204" pitchFamily="34" charset="0"/>
+              </a:defRPr>
+            </a:lvl5pPr>
+            <a:lvl6pPr marL="457200" algn="l" defTabSz="457200" rtl="0" fontAlgn="base" hangingPunct="0">
+              <a:spcBef>
+                <a:spcPct val="0"/>
+              </a:spcBef>
+              <a:spcAft>
+                <a:spcPct val="0"/>
+              </a:spcAft>
+              <a:defRPr sz="1200">
+                <a:solidFill>
+                  <a:srgbClr val="000000"/>
+                </a:solidFill>
+                <a:latin typeface="Helvetica" panose="020B0604020202020204" pitchFamily="34" charset="0"/>
+                <a:ea typeface="Helvetica" panose="020B0604020202020204" pitchFamily="34" charset="0"/>
+                <a:cs typeface="Helvetica" panose="020B0604020202020204" pitchFamily="34" charset="0"/>
+                <a:sym typeface="Helvetica" panose="020B0604020202020204" pitchFamily="34" charset="0"/>
+              </a:defRPr>
+            </a:lvl6pPr>
+            <a:lvl7pPr marL="914400" algn="l" defTabSz="457200" rtl="0" fontAlgn="base" hangingPunct="0">
+              <a:spcBef>
+                <a:spcPct val="0"/>
+              </a:spcBef>
+              <a:spcAft>
+                <a:spcPct val="0"/>
+              </a:spcAft>
+              <a:defRPr sz="1200">
+                <a:solidFill>
+                  <a:srgbClr val="000000"/>
+                </a:solidFill>
+                <a:latin typeface="Helvetica" panose="020B0604020202020204" pitchFamily="34" charset="0"/>
+                <a:ea typeface="Helvetica" panose="020B0604020202020204" pitchFamily="34" charset="0"/>
+                <a:cs typeface="Helvetica" panose="020B0604020202020204" pitchFamily="34" charset="0"/>
+                <a:sym typeface="Helvetica" panose="020B0604020202020204" pitchFamily="34" charset="0"/>
+              </a:defRPr>
+            </a:lvl7pPr>
+            <a:lvl8pPr marL="1371600" algn="l" defTabSz="457200" rtl="0" fontAlgn="base" hangingPunct="0">
+              <a:spcBef>
+                <a:spcPct val="0"/>
+              </a:spcBef>
+              <a:spcAft>
+                <a:spcPct val="0"/>
+              </a:spcAft>
+              <a:defRPr sz="1200">
+                <a:solidFill>
+                  <a:srgbClr val="000000"/>
+                </a:solidFill>
+                <a:latin typeface="Helvetica" panose="020B0604020202020204" pitchFamily="34" charset="0"/>
+                <a:ea typeface="Helvetica" panose="020B0604020202020204" pitchFamily="34" charset="0"/>
+                <a:cs typeface="Helvetica" panose="020B0604020202020204" pitchFamily="34" charset="0"/>
+                <a:sym typeface="Helvetica" panose="020B0604020202020204" pitchFamily="34" charset="0"/>
+              </a:defRPr>
+            </a:lvl8pPr>
+            <a:lvl9pPr marL="1828800" algn="l" defTabSz="457200" rtl="0" fontAlgn="base" hangingPunct="0">
+              <a:spcBef>
+                <a:spcPct val="0"/>
+              </a:spcBef>
+              <a:spcAft>
+                <a:spcPct val="0"/>
+              </a:spcAft>
+              <a:defRPr sz="1200">
+                <a:solidFill>
+                  <a:srgbClr val="000000"/>
+                </a:solidFill>
+                <a:latin typeface="Helvetica" panose="020B0604020202020204" pitchFamily="34" charset="0"/>
+                <a:ea typeface="Helvetica" panose="020B0604020202020204" pitchFamily="34" charset="0"/>
+                <a:cs typeface="Helvetica" panose="020B0604020202020204" pitchFamily="34" charset="0"/>
+                <a:sym typeface="Helvetica" panose="020B0604020202020204" pitchFamily="34" charset="0"/>
+              </a:defRPr>
+            </a:lvl9pPr>
+          </a:lstStyle>
+          <a:p>
+            <a:pPr algn="ctr"/>
+            <a:r>
+              <a:rPr lang="en-US" sz="12000" b="0" dirty="0" smtClean="0">
+                <a:solidFill>
+                  <a:schemeClr val="accent2"/>
+                </a:solidFill>
+                <a:effectLst>
+                  <a:glow rad="101600">
+                    <a:schemeClr val="bg1">
+                      <a:alpha val="75000"/>
+                    </a:schemeClr>
+                  </a:glow>
+                  <a:outerShdw blurRad="50800" dist="38100" dir="2700000" algn="tl" rotWithShape="0">
+                    <a:schemeClr val="accent3">
+                      <a:alpha val="43000"/>
+                    </a:schemeClr>
+                  </a:outerShdw>
+                </a:effectLst>
+              </a:rPr>
+              <a:t>$$$$$</a:t>
+            </a:r>
+            <a:endParaRPr lang="en-US" sz="12000" dirty="0">
+              <a:solidFill>
+                <a:schemeClr val="accent2"/>
+              </a:solidFill>
+              <a:effectLst>
+                <a:glow rad="101600">
+                  <a:schemeClr val="bg1">
+                    <a:alpha val="75000"/>
+                  </a:schemeClr>
+                </a:glow>
+                <a:outerShdw blurRad="50800" dist="38100" dir="2700000" algn="tl" rotWithShape="0">
+                  <a:schemeClr val="accent3">
+                    <a:alpha val="43000"/>
+                  </a:schemeClr>
+                </a:outerShdw>
+              </a:effectLst>
+            </a:endParaRPr>
+          </a:p>
+        </p:txBody>
+      </p:sp>
+      <p:sp>
+        <p:nvSpPr>
+          <p:cNvPr id="18" name="Title 1"/>
+          <p:cNvSpPr txBox="1">
+            <a:spLocks/>
+          </p:cNvSpPr>
+          <p:nvPr/>
+        </p:nvSpPr>
+        <p:spPr>
+          <a:xfrm>
+            <a:off x="1030760" y="4625752"/>
+            <a:ext cx="5904656" cy="2808312"/>
+          </a:xfrm>
+          <a:prstGeom prst="rect">
+            <a:avLst/>
+          </a:prstGeom>
+        </p:spPr>
+        <p:txBody>
+          <a:bodyPr vert="horz" lIns="91440" tIns="45720" rIns="91440" bIns="45720" rtlCol="0" anchor="ctr">
+            <a:normAutofit/>
+          </a:bodyPr>
+          <a:lstStyle>
+            <a:lvl1pPr algn="l" defTabSz="457200" rtl="0" eaLnBrk="0" fontAlgn="base" hangingPunct="0">
+              <a:spcBef>
+                <a:spcPct val="0"/>
+              </a:spcBef>
+              <a:spcAft>
+                <a:spcPct val="0"/>
+              </a:spcAft>
+              <a:defRPr sz="9200" b="1" kern="1200">
+                <a:solidFill>
+                  <a:srgbClr val="4D4D4D"/>
+                </a:solidFill>
+                <a:latin typeface="Aleo" panose="020F0502020204030203" pitchFamily="34" charset="0"/>
+                <a:ea typeface="+mj-ea"/>
+                <a:cs typeface="+mj-cs"/>
+                <a:sym typeface="Helvetica" panose="020B0604020202020204" pitchFamily="34" charset="0"/>
+              </a:defRPr>
+            </a:lvl1pPr>
+            <a:lvl2pPr algn="l" defTabSz="457200" rtl="0" eaLnBrk="0" fontAlgn="base" hangingPunct="0">
+              <a:spcBef>
+                <a:spcPct val="0"/>
+              </a:spcBef>
+              <a:spcAft>
+                <a:spcPct val="0"/>
+              </a:spcAft>
+              <a:defRPr sz="1200">
+                <a:solidFill>
+                  <a:srgbClr val="000000"/>
+                </a:solidFill>
+                <a:latin typeface="Helvetica" panose="020B0604020202020204" pitchFamily="34" charset="0"/>
+                <a:ea typeface="Helvetica" panose="020B0604020202020204" pitchFamily="34" charset="0"/>
+                <a:cs typeface="Helvetica" panose="020B0604020202020204" pitchFamily="34" charset="0"/>
+                <a:sym typeface="Helvetica" panose="020B0604020202020204" pitchFamily="34" charset="0"/>
+              </a:defRPr>
+            </a:lvl2pPr>
+            <a:lvl3pPr algn="l" defTabSz="457200" rtl="0" eaLnBrk="0" fontAlgn="base" hangingPunct="0">
+              <a:spcBef>
+                <a:spcPct val="0"/>
+              </a:spcBef>
+              <a:spcAft>
+                <a:spcPct val="0"/>
+              </a:spcAft>
+              <a:defRPr sz="1200">
+                <a:solidFill>
+                  <a:srgbClr val="000000"/>
+                </a:solidFill>
+                <a:latin typeface="Helvetica" panose="020B0604020202020204" pitchFamily="34" charset="0"/>
+                <a:ea typeface="Helvetica" panose="020B0604020202020204" pitchFamily="34" charset="0"/>
+                <a:cs typeface="Helvetica" panose="020B0604020202020204" pitchFamily="34" charset="0"/>
+                <a:sym typeface="Helvetica" panose="020B0604020202020204" pitchFamily="34" charset="0"/>
+              </a:defRPr>
+            </a:lvl3pPr>
+            <a:lvl4pPr algn="l" defTabSz="457200" rtl="0" eaLnBrk="0" fontAlgn="base" hangingPunct="0">
+              <a:spcBef>
+                <a:spcPct val="0"/>
+              </a:spcBef>
+              <a:spcAft>
+                <a:spcPct val="0"/>
+              </a:spcAft>
+              <a:defRPr sz="1200">
+                <a:solidFill>
+                  <a:srgbClr val="000000"/>
+                </a:solidFill>
+                <a:latin typeface="Helvetica" panose="020B0604020202020204" pitchFamily="34" charset="0"/>
+                <a:ea typeface="Helvetica" panose="020B0604020202020204" pitchFamily="34" charset="0"/>
+                <a:cs typeface="Helvetica" panose="020B0604020202020204" pitchFamily="34" charset="0"/>
+                <a:sym typeface="Helvetica" panose="020B0604020202020204" pitchFamily="34" charset="0"/>
+              </a:defRPr>
+            </a:lvl4pPr>
+            <a:lvl5pPr algn="l" defTabSz="457200" rtl="0" eaLnBrk="0" fontAlgn="base" hangingPunct="0">
+              <a:spcBef>
+                <a:spcPct val="0"/>
+              </a:spcBef>
+              <a:spcAft>
+                <a:spcPct val="0"/>
+              </a:spcAft>
+              <a:defRPr sz="1200">
+                <a:solidFill>
+                  <a:srgbClr val="000000"/>
+                </a:solidFill>
+                <a:latin typeface="Helvetica" panose="020B0604020202020204" pitchFamily="34" charset="0"/>
+                <a:ea typeface="Helvetica" panose="020B0604020202020204" pitchFamily="34" charset="0"/>
+                <a:cs typeface="Helvetica" panose="020B0604020202020204" pitchFamily="34" charset="0"/>
+                <a:sym typeface="Helvetica" panose="020B0604020202020204" pitchFamily="34" charset="0"/>
+              </a:defRPr>
+            </a:lvl5pPr>
+            <a:lvl6pPr marL="457200" algn="l" defTabSz="457200" rtl="0" fontAlgn="base" hangingPunct="0">
+              <a:spcBef>
+                <a:spcPct val="0"/>
+              </a:spcBef>
+              <a:spcAft>
+                <a:spcPct val="0"/>
+              </a:spcAft>
+              <a:defRPr sz="1200">
+                <a:solidFill>
+                  <a:srgbClr val="000000"/>
+                </a:solidFill>
+                <a:latin typeface="Helvetica" panose="020B0604020202020204" pitchFamily="34" charset="0"/>
+                <a:ea typeface="Helvetica" panose="020B0604020202020204" pitchFamily="34" charset="0"/>
+                <a:cs typeface="Helvetica" panose="020B0604020202020204" pitchFamily="34" charset="0"/>
+                <a:sym typeface="Helvetica" panose="020B0604020202020204" pitchFamily="34" charset="0"/>
+              </a:defRPr>
+            </a:lvl6pPr>
+            <a:lvl7pPr marL="914400" algn="l" defTabSz="457200" rtl="0" fontAlgn="base" hangingPunct="0">
+              <a:spcBef>
+                <a:spcPct val="0"/>
+              </a:spcBef>
+              <a:spcAft>
+                <a:spcPct val="0"/>
+              </a:spcAft>
+              <a:defRPr sz="1200">
+                <a:solidFill>
+                  <a:srgbClr val="000000"/>
+                </a:solidFill>
+                <a:latin typeface="Helvetica" panose="020B0604020202020204" pitchFamily="34" charset="0"/>
+                <a:ea typeface="Helvetica" panose="020B0604020202020204" pitchFamily="34" charset="0"/>
+                <a:cs typeface="Helvetica" panose="020B0604020202020204" pitchFamily="34" charset="0"/>
+                <a:sym typeface="Helvetica" panose="020B0604020202020204" pitchFamily="34" charset="0"/>
+              </a:defRPr>
+            </a:lvl7pPr>
+            <a:lvl8pPr marL="1371600" algn="l" defTabSz="457200" rtl="0" fontAlgn="base" hangingPunct="0">
+              <a:spcBef>
+                <a:spcPct val="0"/>
+              </a:spcBef>
+              <a:spcAft>
+                <a:spcPct val="0"/>
+              </a:spcAft>
+              <a:defRPr sz="1200">
+                <a:solidFill>
+                  <a:srgbClr val="000000"/>
+                </a:solidFill>
+                <a:latin typeface="Helvetica" panose="020B0604020202020204" pitchFamily="34" charset="0"/>
+                <a:ea typeface="Helvetica" panose="020B0604020202020204" pitchFamily="34" charset="0"/>
+                <a:cs typeface="Helvetica" panose="020B0604020202020204" pitchFamily="34" charset="0"/>
+                <a:sym typeface="Helvetica" panose="020B0604020202020204" pitchFamily="34" charset="0"/>
+              </a:defRPr>
+            </a:lvl8pPr>
+            <a:lvl9pPr marL="1828800" algn="l" defTabSz="457200" rtl="0" fontAlgn="base" hangingPunct="0">
+              <a:spcBef>
+                <a:spcPct val="0"/>
+              </a:spcBef>
+              <a:spcAft>
+                <a:spcPct val="0"/>
+              </a:spcAft>
+              <a:defRPr sz="1200">
+                <a:solidFill>
+                  <a:srgbClr val="000000"/>
+                </a:solidFill>
+                <a:latin typeface="Helvetica" panose="020B0604020202020204" pitchFamily="34" charset="0"/>
+                <a:ea typeface="Helvetica" panose="020B0604020202020204" pitchFamily="34" charset="0"/>
+                <a:cs typeface="Helvetica" panose="020B0604020202020204" pitchFamily="34" charset="0"/>
+                <a:sym typeface="Helvetica" panose="020B0604020202020204" pitchFamily="34" charset="0"/>
+              </a:defRPr>
+            </a:lvl9pPr>
+          </a:lstStyle>
+          <a:p>
+            <a:pPr algn="ctr"/>
+            <a:r>
+              <a:rPr lang="en-US" sz="5000" dirty="0" smtClean="0">
+                <a:solidFill>
+                  <a:schemeClr val="bg1"/>
+                </a:solidFill>
+              </a:rPr>
+              <a:t>Build user base</a:t>
+            </a:r>
+            <a:endParaRPr lang="en-US" sz="5000" dirty="0">
+              <a:solidFill>
+                <a:schemeClr val="bg1"/>
+              </a:solidFill>
+            </a:endParaRPr>
+          </a:p>
+        </p:txBody>
+      </p:sp>
+      <p:sp>
+        <p:nvSpPr>
+          <p:cNvPr id="19" name="Right Arrow 18"/>
+          <p:cNvSpPr/>
+          <p:nvPr/>
+        </p:nvSpPr>
+        <p:spPr bwMode="auto">
+          <a:xfrm>
+            <a:off x="7007424" y="5417840"/>
+            <a:ext cx="2304256" cy="1512168"/>
+          </a:xfrm>
+          <a:prstGeom prst="rightArrow">
+            <a:avLst/>
+          </a:prstGeom>
+          <a:solidFill>
+            <a:schemeClr val="bg1">
+              <a:lumMod val="75000"/>
+            </a:schemeClr>
+          </a:solidFill>
+          <a:ln>
+            <a:noFill/>
+            <a:headEnd type="none" w="med" len="med"/>
+            <a:tailEnd type="none" w="med" len="med"/>
+          </a:ln>
+          <a:effectLst>
+            <a:glow rad="139700">
+              <a:schemeClr val="accent4">
+                <a:satMod val="175000"/>
+                <a:alpha val="40000"/>
+              </a:schemeClr>
+            </a:glow>
+          </a:effectLst>
+        </p:spPr>
+        <p:style>
+          <a:lnRef idx="2">
+            <a:schemeClr val="accent5"/>
+          </a:lnRef>
+          <a:fillRef idx="1">
+            <a:schemeClr val="lt1"/>
+          </a:fillRef>
+          <a:effectRef idx="0">
+            <a:schemeClr val="accent5"/>
+          </a:effectRef>
+          <a:fontRef idx="minor">
+            <a:schemeClr val="dk1"/>
+          </a:fontRef>
+        </p:style>
+        <p:txBody>
+          <a:bodyPr vert="horz" wrap="square" lIns="50800" tIns="50800" rIns="50800" bIns="50800" numCol="1" rtlCol="0" anchor="ctr" anchorCtr="0" compatLnSpc="1">
+            <a:prstTxWarp prst="textNoShape">
+              <a:avLst/>
+            </a:prstTxWarp>
+          </a:bodyPr>
+          <a:lstStyle/>
+          <a:p>
+            <a:pPr marL="342900" marR="0" indent="0" algn="ctr" defTabSz="825500" rtl="0" eaLnBrk="1" fontAlgn="base" latinLnBrk="0" hangingPunct="0">
+              <a:lnSpc>
+                <a:spcPct val="100000"/>
+              </a:lnSpc>
+              <a:spcBef>
+                <a:spcPct val="0"/>
+              </a:spcBef>
+              <a:spcAft>
+                <a:spcPct val="0"/>
+              </a:spcAft>
+              <a:buClrTx/>
+              <a:buSzTx/>
+              <a:buFontTx/>
+              <a:buNone/>
+              <a:tabLst/>
+            </a:pPr>
+            <a:endParaRPr kumimoji="0" lang="en-US" sz="5600" b="0" i="0" u="none" strike="noStrike" cap="none" normalizeH="0" baseline="0" smtClean="0">
+              <a:ln>
+                <a:noFill/>
+              </a:ln>
+              <a:solidFill>
+                <a:srgbClr val="000000"/>
+              </a:solidFill>
+              <a:effectLst/>
+              <a:latin typeface="Gill Sans" charset="0"/>
+              <a:ea typeface="Gill Sans" charset="0"/>
+              <a:cs typeface="Gill Sans" charset="0"/>
+              <a:sym typeface="Gill Sans" charset="0"/>
+            </a:endParaRPr>
+          </a:p>
+        </p:txBody>
+      </p:sp>
+      <p:sp>
+        <p:nvSpPr>
+          <p:cNvPr id="22" name="Right Arrow 21"/>
+          <p:cNvSpPr/>
+          <p:nvPr/>
+        </p:nvSpPr>
+        <p:spPr bwMode="auto">
+          <a:xfrm>
+            <a:off x="15216336" y="5561856"/>
+            <a:ext cx="2304256" cy="1512168"/>
+          </a:xfrm>
+          <a:prstGeom prst="rightArrow">
+            <a:avLst/>
+          </a:prstGeom>
+          <a:solidFill>
+            <a:schemeClr val="bg1">
+              <a:lumMod val="75000"/>
+            </a:schemeClr>
+          </a:solidFill>
+          <a:ln>
+            <a:noFill/>
+            <a:headEnd type="none" w="med" len="med"/>
+            <a:tailEnd type="none" w="med" len="med"/>
+          </a:ln>
+          <a:effectLst>
+            <a:glow rad="139700">
+              <a:schemeClr val="accent4">
+                <a:satMod val="175000"/>
+                <a:alpha val="40000"/>
+              </a:schemeClr>
+            </a:glow>
+          </a:effectLst>
+        </p:spPr>
+        <p:style>
+          <a:lnRef idx="2">
+            <a:schemeClr val="accent5"/>
+          </a:lnRef>
+          <a:fillRef idx="1">
+            <a:schemeClr val="lt1"/>
+          </a:fillRef>
+          <a:effectRef idx="0">
+            <a:schemeClr val="accent5"/>
+          </a:effectRef>
+          <a:fontRef idx="minor">
+            <a:schemeClr val="dk1"/>
+          </a:fontRef>
+        </p:style>
+        <p:txBody>
+          <a:bodyPr vert="horz" wrap="square" lIns="50800" tIns="50800" rIns="50800" bIns="50800" numCol="1" rtlCol="0" anchor="ctr" anchorCtr="0" compatLnSpc="1">
+            <a:prstTxWarp prst="textNoShape">
+              <a:avLst/>
+            </a:prstTxWarp>
+          </a:bodyPr>
+          <a:lstStyle/>
+          <a:p>
+            <a:pPr marL="342900" marR="0" indent="0" algn="ctr" defTabSz="825500" rtl="0" eaLnBrk="1" fontAlgn="base" latinLnBrk="0" hangingPunct="0">
+              <a:lnSpc>
+                <a:spcPct val="100000"/>
+              </a:lnSpc>
+              <a:spcBef>
+                <a:spcPct val="0"/>
+              </a:spcBef>
+              <a:spcAft>
+                <a:spcPct val="0"/>
+              </a:spcAft>
+              <a:buClrTx/>
+              <a:buSzTx/>
+              <a:buFontTx/>
+              <a:buNone/>
+              <a:tabLst/>
+            </a:pPr>
+            <a:endParaRPr kumimoji="0" lang="en-US" sz="5600" b="0" i="0" u="none" strike="noStrike" cap="none" normalizeH="0" baseline="0" smtClean="0">
+              <a:ln>
+                <a:noFill/>
+              </a:ln>
+              <a:solidFill>
+                <a:srgbClr val="000000"/>
+              </a:solidFill>
+              <a:effectLst/>
+              <a:latin typeface="Gill Sans" charset="0"/>
+              <a:ea typeface="Gill Sans" charset="0"/>
+              <a:cs typeface="Gill Sans" charset="0"/>
+              <a:sym typeface="Gill Sans" charset="0"/>
+            </a:endParaRPr>
+          </a:p>
+        </p:txBody>
+      </p:sp>
+    </p:spTree>
+    <p:extLst>
+      <p:ext uri="{BB962C8B-B14F-4D97-AF65-F5344CB8AC3E}">
+        <p14:creationId xmlns:p14="http://schemas.microsoft.com/office/powerpoint/2010/main" val="3964694476"/>
       </p:ext>
     </p:extLst>
   </p:cSld>
@@ -6839,7 +9124,7 @@
   <a:extraClrSchemeLst/>
   <a:extLst>
     <a:ext uri="{05A4C25C-085E-4340-85A3-A5531E510DB2}">
-      <thm15:themeFamily xmlns:thm15="http://schemas.microsoft.com/office/thememl/2012/main" xmlns="" name="Office Theme" id="{62F939B6-93AF-4DB8-9C6B-D6C7DFDC589F}" vid="{4A3C46E8-61CC-4603-A589-7422A47A8E4A}"/>
+      <thm15:themeFamily xmlns="" xmlns:thm15="http://schemas.microsoft.com/office/thememl/2012/main" name="Office Theme" id="{62F939B6-93AF-4DB8-9C6B-D6C7DFDC589F}" vid="{4A3C46E8-61CC-4603-A589-7422A47A8E4A}"/>
     </a:ext>
   </a:extLst>
 </a:theme>
@@ -7100,7 +9385,7 @@
   <a:extraClrSchemeLst/>
   <a:extLst>
     <a:ext uri="{05A4C25C-085E-4340-85A3-A5531E510DB2}">
-      <thm15:themeFamily xmlns:thm15="http://schemas.microsoft.com/office/thememl/2012/main" xmlns="" name="Office Theme" id="{62F939B6-93AF-4DB8-9C6B-D6C7DFDC589F}" vid="{4A3C46E8-61CC-4603-A589-7422A47A8E4A}"/>
+      <thm15:themeFamily xmlns="" xmlns:thm15="http://schemas.microsoft.com/office/thememl/2012/main" name="Office Theme" id="{62F939B6-93AF-4DB8-9C6B-D6C7DFDC589F}" vid="{4A3C46E8-61CC-4603-A589-7422A47A8E4A}"/>
     </a:ext>
   </a:extLst>
 </a:theme>
